--- a/LinqQueries.pptx
+++ b/LinqQueries.pptx
@@ -5,7 +5,7 @@
     <p:sldMasterId id="2147483676" r:id="rId1"/>
   </p:sldMasterIdLst>
   <p:notesMasterIdLst>
-    <p:notesMasterId r:id="rId69"/>
+    <p:notesMasterId r:id="rId73"/>
   </p:notesMasterIdLst>
   <p:sldIdLst>
     <p:sldId id="323" r:id="rId2"/>
@@ -70,33 +70,37 @@
     <p:sldId id="414" r:id="rId61"/>
     <p:sldId id="415" r:id="rId62"/>
     <p:sldId id="416" r:id="rId63"/>
-    <p:sldId id="302" r:id="rId64"/>
-    <p:sldId id="303" r:id="rId65"/>
-    <p:sldId id="304" r:id="rId66"/>
-    <p:sldId id="305" r:id="rId67"/>
-    <p:sldId id="306" r:id="rId68"/>
+    <p:sldId id="417" r:id="rId64"/>
+    <p:sldId id="418" r:id="rId65"/>
+    <p:sldId id="302" r:id="rId66"/>
+    <p:sldId id="420" r:id="rId67"/>
+    <p:sldId id="419" r:id="rId68"/>
+    <p:sldId id="303" r:id="rId69"/>
+    <p:sldId id="304" r:id="rId70"/>
+    <p:sldId id="305" r:id="rId71"/>
+    <p:sldId id="306" r:id="rId72"/>
   </p:sldIdLst>
   <p:sldSz cx="9144000" cy="5143500" type="screen16x9"/>
   <p:notesSz cx="6858000" cy="9144000"/>
   <p:embeddedFontLst>
     <p:embeddedFont>
-      <p:font typeface="Roboto" charset="0"/>
-      <p:regular r:id="rId70"/>
-      <p:bold r:id="rId71"/>
-      <p:italic r:id="rId72"/>
-      <p:boldItalic r:id="rId73"/>
+      <p:font typeface="Roboto" panose="020B0604020202020204" charset="0"/>
+      <p:regular r:id="rId74"/>
+      <p:bold r:id="rId75"/>
+      <p:italic r:id="rId76"/>
+      <p:boldItalic r:id="rId77"/>
     </p:embeddedFont>
     <p:embeddedFont>
-      <p:font typeface="Cascadia Mono" pitchFamily="49" charset="0"/>
-      <p:regular r:id="rId74"/>
-      <p:bold r:id="rId75"/>
+      <p:font typeface="Calibri" panose="020F0502020204030204" pitchFamily="34" charset="0"/>
+      <p:regular r:id="rId78"/>
+      <p:bold r:id="rId79"/>
+      <p:italic r:id="rId80"/>
+      <p:boldItalic r:id="rId81"/>
     </p:embeddedFont>
     <p:embeddedFont>
-      <p:font typeface="Calibri" pitchFamily="34" charset="0"/>
-      <p:regular r:id="rId76"/>
-      <p:bold r:id="rId77"/>
-      <p:italic r:id="rId78"/>
-      <p:boldItalic r:id="rId79"/>
+      <p:font typeface="Cascadia Mono" panose="020B0609020000020004" pitchFamily="49" charset="0"/>
+      <p:regular r:id="rId82"/>
+      <p:bold r:id="rId83"/>
     </p:embeddedFont>
   </p:embeddedFontLst>
   <p:defaultTextStyle>
@@ -330,7 +334,7 @@
   </p:defaultTextStyle>
   <p:extLst>
     <p:ext uri="{EFAFB233-063F-42B5-8137-9DF3F51BA10A}">
-      <p15:sldGuideLst xmlns="" xmlns:p15="http://schemas.microsoft.com/office/powerpoint/2012/main">
+      <p15:sldGuideLst xmlns:p15="http://schemas.microsoft.com/office/powerpoint/2012/main">
         <p15:guide id="1" orient="horz" pos="1620">
           <p15:clr>
             <a:srgbClr val="A4A3A4"/>
@@ -887,7 +891,7 @@
     </p:spTree>
     <p:extLst>
       <p:ext uri="{BB962C8B-B14F-4D97-AF65-F5344CB8AC3E}">
-        <p14:creationId xmlns="" xmlns:p14="http://schemas.microsoft.com/office/powerpoint/2010/main" val="1559280179"/>
+        <p14:creationId xmlns:p14="http://schemas.microsoft.com/office/powerpoint/2010/main" val="1559280179"/>
       </p:ext>
     </p:extLst>
   </p:cSld>
@@ -996,7 +1000,7 @@
     </p:spTree>
     <p:extLst>
       <p:ext uri="{BB962C8B-B14F-4D97-AF65-F5344CB8AC3E}">
-        <p14:creationId xmlns="" xmlns:p14="http://schemas.microsoft.com/office/powerpoint/2010/main" val="2321919239"/>
+        <p14:creationId xmlns:p14="http://schemas.microsoft.com/office/powerpoint/2010/main" val="2321919239"/>
       </p:ext>
     </p:extLst>
   </p:cSld>
@@ -1105,7 +1109,7 @@
     </p:spTree>
     <p:extLst>
       <p:ext uri="{BB962C8B-B14F-4D97-AF65-F5344CB8AC3E}">
-        <p14:creationId xmlns="" xmlns:p14="http://schemas.microsoft.com/office/powerpoint/2010/main" val="1888565219"/>
+        <p14:creationId xmlns:p14="http://schemas.microsoft.com/office/powerpoint/2010/main" val="1888565219"/>
       </p:ext>
     </p:extLst>
   </p:cSld>
@@ -1214,7 +1218,7 @@
     </p:spTree>
     <p:extLst>
       <p:ext uri="{BB962C8B-B14F-4D97-AF65-F5344CB8AC3E}">
-        <p14:creationId xmlns="" xmlns:p14="http://schemas.microsoft.com/office/powerpoint/2010/main" val="2023148401"/>
+        <p14:creationId xmlns:p14="http://schemas.microsoft.com/office/powerpoint/2010/main" val="2023148401"/>
       </p:ext>
     </p:extLst>
   </p:cSld>
@@ -1323,7 +1327,7 @@
     </p:spTree>
     <p:extLst>
       <p:ext uri="{BB962C8B-B14F-4D97-AF65-F5344CB8AC3E}">
-        <p14:creationId xmlns="" xmlns:p14="http://schemas.microsoft.com/office/powerpoint/2010/main" val="2023148401"/>
+        <p14:creationId xmlns:p14="http://schemas.microsoft.com/office/powerpoint/2010/main" val="2023148401"/>
       </p:ext>
     </p:extLst>
   </p:cSld>
@@ -1432,7 +1436,7 @@
     </p:spTree>
     <p:extLst>
       <p:ext uri="{BB962C8B-B14F-4D97-AF65-F5344CB8AC3E}">
-        <p14:creationId xmlns="" xmlns:p14="http://schemas.microsoft.com/office/powerpoint/2010/main" val="2576159966"/>
+        <p14:creationId xmlns:p14="http://schemas.microsoft.com/office/powerpoint/2010/main" val="2576159966"/>
       </p:ext>
     </p:extLst>
   </p:cSld>
@@ -1541,7 +1545,7 @@
     </p:spTree>
     <p:extLst>
       <p:ext uri="{BB962C8B-B14F-4D97-AF65-F5344CB8AC3E}">
-        <p14:creationId xmlns="" xmlns:p14="http://schemas.microsoft.com/office/powerpoint/2010/main" val="19043452"/>
+        <p14:creationId xmlns:p14="http://schemas.microsoft.com/office/powerpoint/2010/main" val="19043452"/>
       </p:ext>
     </p:extLst>
   </p:cSld>
@@ -1650,7 +1654,7 @@
     </p:spTree>
     <p:extLst>
       <p:ext uri="{BB962C8B-B14F-4D97-AF65-F5344CB8AC3E}">
-        <p14:creationId xmlns="" xmlns:p14="http://schemas.microsoft.com/office/powerpoint/2010/main" val="725907786"/>
+        <p14:creationId xmlns:p14="http://schemas.microsoft.com/office/powerpoint/2010/main" val="725907786"/>
       </p:ext>
     </p:extLst>
   </p:cSld>
@@ -1759,7 +1763,7 @@
     </p:spTree>
     <p:extLst>
       <p:ext uri="{BB962C8B-B14F-4D97-AF65-F5344CB8AC3E}">
-        <p14:creationId xmlns="" xmlns:p14="http://schemas.microsoft.com/office/powerpoint/2010/main" val="1195792751"/>
+        <p14:creationId xmlns:p14="http://schemas.microsoft.com/office/powerpoint/2010/main" val="1195792751"/>
       </p:ext>
     </p:extLst>
   </p:cSld>
@@ -1868,7 +1872,7 @@
     </p:spTree>
     <p:extLst>
       <p:ext uri="{BB962C8B-B14F-4D97-AF65-F5344CB8AC3E}">
-        <p14:creationId xmlns="" xmlns:p14="http://schemas.microsoft.com/office/powerpoint/2010/main" val="3440309463"/>
+        <p14:creationId xmlns:p14="http://schemas.microsoft.com/office/powerpoint/2010/main" val="3440309463"/>
       </p:ext>
     </p:extLst>
   </p:cSld>
@@ -1977,7 +1981,7 @@
     </p:spTree>
     <p:extLst>
       <p:ext uri="{BB962C8B-B14F-4D97-AF65-F5344CB8AC3E}">
-        <p14:creationId xmlns="" xmlns:p14="http://schemas.microsoft.com/office/powerpoint/2010/main" val="1189310321"/>
+        <p14:creationId xmlns:p14="http://schemas.microsoft.com/office/powerpoint/2010/main" val="1189310321"/>
       </p:ext>
     </p:extLst>
   </p:cSld>
@@ -2190,7 +2194,7 @@
     </p:spTree>
     <p:extLst>
       <p:ext uri="{BB962C8B-B14F-4D97-AF65-F5344CB8AC3E}">
-        <p14:creationId xmlns="" xmlns:p14="http://schemas.microsoft.com/office/powerpoint/2010/main" val="3488297178"/>
+        <p14:creationId xmlns:p14="http://schemas.microsoft.com/office/powerpoint/2010/main" val="3488297178"/>
       </p:ext>
     </p:extLst>
   </p:cSld>
@@ -2299,7 +2303,7 @@
     </p:spTree>
     <p:extLst>
       <p:ext uri="{BB962C8B-B14F-4D97-AF65-F5344CB8AC3E}">
-        <p14:creationId xmlns="" xmlns:p14="http://schemas.microsoft.com/office/powerpoint/2010/main" val="3698287836"/>
+        <p14:creationId xmlns:p14="http://schemas.microsoft.com/office/powerpoint/2010/main" val="3698287836"/>
       </p:ext>
     </p:extLst>
   </p:cSld>
@@ -2408,7 +2412,7 @@
     </p:spTree>
     <p:extLst>
       <p:ext uri="{BB962C8B-B14F-4D97-AF65-F5344CB8AC3E}">
-        <p14:creationId xmlns="" xmlns:p14="http://schemas.microsoft.com/office/powerpoint/2010/main" val="2015466976"/>
+        <p14:creationId xmlns:p14="http://schemas.microsoft.com/office/powerpoint/2010/main" val="2015466976"/>
       </p:ext>
     </p:extLst>
   </p:cSld>
@@ -2517,7 +2521,7 @@
     </p:spTree>
     <p:extLst>
       <p:ext uri="{BB962C8B-B14F-4D97-AF65-F5344CB8AC3E}">
-        <p14:creationId xmlns="" xmlns:p14="http://schemas.microsoft.com/office/powerpoint/2010/main" val="1668808346"/>
+        <p14:creationId xmlns:p14="http://schemas.microsoft.com/office/powerpoint/2010/main" val="1668808346"/>
       </p:ext>
     </p:extLst>
   </p:cSld>
@@ -2626,7 +2630,7 @@
     </p:spTree>
     <p:extLst>
       <p:ext uri="{BB962C8B-B14F-4D97-AF65-F5344CB8AC3E}">
-        <p14:creationId xmlns="" xmlns:p14="http://schemas.microsoft.com/office/powerpoint/2010/main" val="759760207"/>
+        <p14:creationId xmlns:p14="http://schemas.microsoft.com/office/powerpoint/2010/main" val="759760207"/>
       </p:ext>
     </p:extLst>
   </p:cSld>
@@ -2735,7 +2739,7 @@
     </p:spTree>
     <p:extLst>
       <p:ext uri="{BB962C8B-B14F-4D97-AF65-F5344CB8AC3E}">
-        <p14:creationId xmlns="" xmlns:p14="http://schemas.microsoft.com/office/powerpoint/2010/main" val="2121668500"/>
+        <p14:creationId xmlns:p14="http://schemas.microsoft.com/office/powerpoint/2010/main" val="2121668500"/>
       </p:ext>
     </p:extLst>
   </p:cSld>
@@ -2844,7 +2848,7 @@
     </p:spTree>
     <p:extLst>
       <p:ext uri="{BB962C8B-B14F-4D97-AF65-F5344CB8AC3E}">
-        <p14:creationId xmlns="" xmlns:p14="http://schemas.microsoft.com/office/powerpoint/2010/main" val="1283641166"/>
+        <p14:creationId xmlns:p14="http://schemas.microsoft.com/office/powerpoint/2010/main" val="1283641166"/>
       </p:ext>
     </p:extLst>
   </p:cSld>
@@ -2953,7 +2957,7 @@
     </p:spTree>
     <p:extLst>
       <p:ext uri="{BB962C8B-B14F-4D97-AF65-F5344CB8AC3E}">
-        <p14:creationId xmlns="" xmlns:p14="http://schemas.microsoft.com/office/powerpoint/2010/main" val="3151514446"/>
+        <p14:creationId xmlns:p14="http://schemas.microsoft.com/office/powerpoint/2010/main" val="3151514446"/>
       </p:ext>
     </p:extLst>
   </p:cSld>
@@ -3062,7 +3066,7 @@
     </p:spTree>
     <p:extLst>
       <p:ext uri="{BB962C8B-B14F-4D97-AF65-F5344CB8AC3E}">
-        <p14:creationId xmlns="" xmlns:p14="http://schemas.microsoft.com/office/powerpoint/2010/main" val="3666188274"/>
+        <p14:creationId xmlns:p14="http://schemas.microsoft.com/office/powerpoint/2010/main" val="3666188274"/>
       </p:ext>
     </p:extLst>
   </p:cSld>
@@ -3171,7 +3175,7 @@
     </p:spTree>
     <p:extLst>
       <p:ext uri="{BB962C8B-B14F-4D97-AF65-F5344CB8AC3E}">
-        <p14:creationId xmlns="" xmlns:p14="http://schemas.microsoft.com/office/powerpoint/2010/main" val="3343632370"/>
+        <p14:creationId xmlns:p14="http://schemas.microsoft.com/office/powerpoint/2010/main" val="3343632370"/>
       </p:ext>
     </p:extLst>
   </p:cSld>
@@ -3280,7 +3284,7 @@
     </p:spTree>
     <p:extLst>
       <p:ext uri="{BB962C8B-B14F-4D97-AF65-F5344CB8AC3E}">
-        <p14:creationId xmlns="" xmlns:p14="http://schemas.microsoft.com/office/powerpoint/2010/main" val="3548652113"/>
+        <p14:creationId xmlns:p14="http://schemas.microsoft.com/office/powerpoint/2010/main" val="3548652113"/>
       </p:ext>
     </p:extLst>
   </p:cSld>
@@ -3389,7 +3393,7 @@
     </p:spTree>
     <p:extLst>
       <p:ext uri="{BB962C8B-B14F-4D97-AF65-F5344CB8AC3E}">
-        <p14:creationId xmlns="" xmlns:p14="http://schemas.microsoft.com/office/powerpoint/2010/main" val="3343632370"/>
+        <p14:creationId xmlns:p14="http://schemas.microsoft.com/office/powerpoint/2010/main" val="3343632370"/>
       </p:ext>
     </p:extLst>
   </p:cSld>
@@ -3706,7 +3710,7 @@
     </p:spTree>
     <p:extLst>
       <p:ext uri="{BB962C8B-B14F-4D97-AF65-F5344CB8AC3E}">
-        <p14:creationId xmlns:p14="http://schemas.microsoft.com/office/powerpoint/2010/main" xmlns="" val="1094642682"/>
+        <p14:creationId xmlns:p14="http://schemas.microsoft.com/office/powerpoint/2010/main" val="1094642682"/>
       </p:ext>
     </p:extLst>
   </p:cSld>
@@ -3815,7 +3819,7 @@
     </p:spTree>
     <p:extLst>
       <p:ext uri="{BB962C8B-B14F-4D97-AF65-F5344CB8AC3E}">
-        <p14:creationId xmlns:p14="http://schemas.microsoft.com/office/powerpoint/2010/main" xmlns="" val="654581963"/>
+        <p14:creationId xmlns:p14="http://schemas.microsoft.com/office/powerpoint/2010/main" val="654581963"/>
       </p:ext>
     </p:extLst>
   </p:cSld>
@@ -3924,7 +3928,7 @@
     </p:spTree>
     <p:extLst>
       <p:ext uri="{BB962C8B-B14F-4D97-AF65-F5344CB8AC3E}">
-        <p14:creationId xmlns:p14="http://schemas.microsoft.com/office/powerpoint/2010/main" xmlns="" val="1021492477"/>
+        <p14:creationId xmlns:p14="http://schemas.microsoft.com/office/powerpoint/2010/main" val="1021492477"/>
       </p:ext>
     </p:extLst>
   </p:cSld>
@@ -4033,7 +4037,7 @@
     </p:spTree>
     <p:extLst>
       <p:ext uri="{BB962C8B-B14F-4D97-AF65-F5344CB8AC3E}">
-        <p14:creationId xmlns:p14="http://schemas.microsoft.com/office/powerpoint/2010/main" xmlns="" val="81659188"/>
+        <p14:creationId xmlns:p14="http://schemas.microsoft.com/office/powerpoint/2010/main" val="81659188"/>
       </p:ext>
     </p:extLst>
   </p:cSld>
@@ -4142,7 +4146,7 @@
     </p:spTree>
     <p:extLst>
       <p:ext uri="{BB962C8B-B14F-4D97-AF65-F5344CB8AC3E}">
-        <p14:creationId xmlns:p14="http://schemas.microsoft.com/office/powerpoint/2010/main" xmlns="" val="1085354930"/>
+        <p14:creationId xmlns:p14="http://schemas.microsoft.com/office/powerpoint/2010/main" val="1085354930"/>
       </p:ext>
     </p:extLst>
   </p:cSld>
@@ -4251,7 +4255,7 @@
     </p:spTree>
     <p:extLst>
       <p:ext uri="{BB962C8B-B14F-4D97-AF65-F5344CB8AC3E}">
-        <p14:creationId xmlns:p14="http://schemas.microsoft.com/office/powerpoint/2010/main" xmlns="" val="1021492477"/>
+        <p14:creationId xmlns:p14="http://schemas.microsoft.com/office/powerpoint/2010/main" val="1021492477"/>
       </p:ext>
     </p:extLst>
   </p:cSld>
@@ -4360,7 +4364,7 @@
     </p:spTree>
     <p:extLst>
       <p:ext uri="{BB962C8B-B14F-4D97-AF65-F5344CB8AC3E}">
-        <p14:creationId xmlns:p14="http://schemas.microsoft.com/office/powerpoint/2010/main" xmlns="" val="2345650234"/>
+        <p14:creationId xmlns:p14="http://schemas.microsoft.com/office/powerpoint/2010/main" val="2345650234"/>
       </p:ext>
     </p:extLst>
   </p:cSld>
@@ -4573,7 +4577,7 @@
     </p:spTree>
     <p:extLst>
       <p:ext uri="{BB962C8B-B14F-4D97-AF65-F5344CB8AC3E}">
-        <p14:creationId xmlns:p14="http://schemas.microsoft.com/office/powerpoint/2010/main" xmlns="" val="1600546733"/>
+        <p14:creationId xmlns:p14="http://schemas.microsoft.com/office/powerpoint/2010/main" val="1600546733"/>
       </p:ext>
     </p:extLst>
   </p:cSld>
@@ -4682,7 +4686,7 @@
     </p:spTree>
     <p:extLst>
       <p:ext uri="{BB962C8B-B14F-4D97-AF65-F5344CB8AC3E}">
-        <p14:creationId xmlns:p14="http://schemas.microsoft.com/office/powerpoint/2010/main" xmlns="" val="929042244"/>
+        <p14:creationId xmlns:p14="http://schemas.microsoft.com/office/powerpoint/2010/main" val="929042244"/>
       </p:ext>
     </p:extLst>
   </p:cSld>
@@ -4791,7 +4795,7 @@
     </p:spTree>
     <p:extLst>
       <p:ext uri="{BB962C8B-B14F-4D97-AF65-F5344CB8AC3E}">
-        <p14:creationId xmlns:p14="http://schemas.microsoft.com/office/powerpoint/2010/main" xmlns="" val="3690528726"/>
+        <p14:creationId xmlns:p14="http://schemas.microsoft.com/office/powerpoint/2010/main" val="3690528726"/>
       </p:ext>
     </p:extLst>
   </p:cSld>
@@ -4900,7 +4904,7 @@
     </p:spTree>
     <p:extLst>
       <p:ext uri="{BB962C8B-B14F-4D97-AF65-F5344CB8AC3E}">
-        <p14:creationId xmlns:p14="http://schemas.microsoft.com/office/powerpoint/2010/main" xmlns="" val="2966755223"/>
+        <p14:creationId xmlns:p14="http://schemas.microsoft.com/office/powerpoint/2010/main" val="2966755223"/>
       </p:ext>
     </p:extLst>
   </p:cSld>
@@ -5009,7 +5013,7 @@
     </p:spTree>
     <p:extLst>
       <p:ext uri="{BB962C8B-B14F-4D97-AF65-F5344CB8AC3E}">
-        <p14:creationId xmlns:p14="http://schemas.microsoft.com/office/powerpoint/2010/main" xmlns="" val="1489464285"/>
+        <p14:creationId xmlns:p14="http://schemas.microsoft.com/office/powerpoint/2010/main" val="1489464285"/>
       </p:ext>
     </p:extLst>
   </p:cSld>
@@ -5118,7 +5122,7 @@
     </p:spTree>
     <p:extLst>
       <p:ext uri="{BB962C8B-B14F-4D97-AF65-F5344CB8AC3E}">
-        <p14:creationId xmlns:p14="http://schemas.microsoft.com/office/powerpoint/2010/main" xmlns="" val="2354118770"/>
+        <p14:creationId xmlns:p14="http://schemas.microsoft.com/office/powerpoint/2010/main" val="2354118770"/>
       </p:ext>
     </p:extLst>
   </p:cSld>
@@ -5227,7 +5231,7 @@
     </p:spTree>
     <p:extLst>
       <p:ext uri="{BB962C8B-B14F-4D97-AF65-F5344CB8AC3E}">
-        <p14:creationId xmlns:p14="http://schemas.microsoft.com/office/powerpoint/2010/main" xmlns="" val="3868859861"/>
+        <p14:creationId xmlns:p14="http://schemas.microsoft.com/office/powerpoint/2010/main" val="3868859861"/>
       </p:ext>
     </p:extLst>
   </p:cSld>
@@ -5336,7 +5340,7 @@
     </p:spTree>
     <p:extLst>
       <p:ext uri="{BB962C8B-B14F-4D97-AF65-F5344CB8AC3E}">
-        <p14:creationId xmlns:p14="http://schemas.microsoft.com/office/powerpoint/2010/main" xmlns="" val="4139684346"/>
+        <p14:creationId xmlns:p14="http://schemas.microsoft.com/office/powerpoint/2010/main" val="4139684346"/>
       </p:ext>
     </p:extLst>
   </p:cSld>
@@ -5445,7 +5449,7 @@
     </p:spTree>
     <p:extLst>
       <p:ext uri="{BB962C8B-B14F-4D97-AF65-F5344CB8AC3E}">
-        <p14:creationId xmlns:p14="http://schemas.microsoft.com/office/powerpoint/2010/main" xmlns="" val="1221438321"/>
+        <p14:creationId xmlns:p14="http://schemas.microsoft.com/office/powerpoint/2010/main" val="1221438321"/>
       </p:ext>
     </p:extLst>
   </p:cSld>
@@ -5554,7 +5558,7 @@
     </p:spTree>
     <p:extLst>
       <p:ext uri="{BB962C8B-B14F-4D97-AF65-F5344CB8AC3E}">
-        <p14:creationId xmlns:p14="http://schemas.microsoft.com/office/powerpoint/2010/main" xmlns="" val="1021492477"/>
+        <p14:creationId xmlns:p14="http://schemas.microsoft.com/office/powerpoint/2010/main" val="1021492477"/>
       </p:ext>
     </p:extLst>
   </p:cSld>
@@ -5767,7 +5771,7 @@
     </p:spTree>
     <p:extLst>
       <p:ext uri="{BB962C8B-B14F-4D97-AF65-F5344CB8AC3E}">
-        <p14:creationId xmlns:p14="http://schemas.microsoft.com/office/powerpoint/2010/main" xmlns="" val="2742090085"/>
+        <p14:creationId xmlns:p14="http://schemas.microsoft.com/office/powerpoint/2010/main" val="2742090085"/>
       </p:ext>
     </p:extLst>
   </p:cSld>
@@ -5876,7 +5880,7 @@
     </p:spTree>
     <p:extLst>
       <p:ext uri="{BB962C8B-B14F-4D97-AF65-F5344CB8AC3E}">
-        <p14:creationId xmlns:p14="http://schemas.microsoft.com/office/powerpoint/2010/main" xmlns="" val="3112099881"/>
+        <p14:creationId xmlns:p14="http://schemas.microsoft.com/office/powerpoint/2010/main" val="3112099881"/>
       </p:ext>
     </p:extLst>
   </p:cSld>
@@ -5985,7 +5989,7 @@
     </p:spTree>
     <p:extLst>
       <p:ext uri="{BB962C8B-B14F-4D97-AF65-F5344CB8AC3E}">
-        <p14:creationId xmlns:p14="http://schemas.microsoft.com/office/powerpoint/2010/main" xmlns="" val="1623211466"/>
+        <p14:creationId xmlns:p14="http://schemas.microsoft.com/office/powerpoint/2010/main" val="1623211466"/>
       </p:ext>
     </p:extLst>
   </p:cSld>
@@ -6094,7 +6098,7 @@
     </p:spTree>
     <p:extLst>
       <p:ext uri="{BB962C8B-B14F-4D97-AF65-F5344CB8AC3E}">
-        <p14:creationId xmlns:p14="http://schemas.microsoft.com/office/powerpoint/2010/main" xmlns="" val="1065436559"/>
+        <p14:creationId xmlns:p14="http://schemas.microsoft.com/office/powerpoint/2010/main" val="1065436559"/>
       </p:ext>
     </p:extLst>
   </p:cSld>
@@ -6203,7 +6207,7 @@
     </p:spTree>
     <p:extLst>
       <p:ext uri="{BB962C8B-B14F-4D97-AF65-F5344CB8AC3E}">
-        <p14:creationId xmlns:p14="http://schemas.microsoft.com/office/powerpoint/2010/main" xmlns="" val="129939661"/>
+        <p14:creationId xmlns:p14="http://schemas.microsoft.com/office/powerpoint/2010/main" val="129939661"/>
       </p:ext>
     </p:extLst>
   </p:cSld>
@@ -6312,7 +6316,7 @@
     </p:spTree>
     <p:extLst>
       <p:ext uri="{BB962C8B-B14F-4D97-AF65-F5344CB8AC3E}">
-        <p14:creationId xmlns:p14="http://schemas.microsoft.com/office/powerpoint/2010/main" xmlns="" val="575722545"/>
+        <p14:creationId xmlns:p14="http://schemas.microsoft.com/office/powerpoint/2010/main" val="575722545"/>
       </p:ext>
     </p:extLst>
   </p:cSld>
@@ -6421,7 +6425,7 @@
     </p:spTree>
     <p:extLst>
       <p:ext uri="{BB962C8B-B14F-4D97-AF65-F5344CB8AC3E}">
-        <p14:creationId xmlns:p14="http://schemas.microsoft.com/office/powerpoint/2010/main" xmlns="" val="1318932020"/>
+        <p14:creationId xmlns:p14="http://schemas.microsoft.com/office/powerpoint/2010/main" val="1318932020"/>
       </p:ext>
     </p:extLst>
   </p:cSld>
@@ -6530,7 +6534,7 @@
     </p:spTree>
     <p:extLst>
       <p:ext uri="{BB962C8B-B14F-4D97-AF65-F5344CB8AC3E}">
-        <p14:creationId xmlns:p14="http://schemas.microsoft.com/office/powerpoint/2010/main" xmlns="" val="1318932020"/>
+        <p14:creationId xmlns:p14="http://schemas.microsoft.com/office/powerpoint/2010/main" val="1318932020"/>
       </p:ext>
     </p:extLst>
   </p:cSld>
@@ -6639,7 +6643,7 @@
     </p:spTree>
     <p:extLst>
       <p:ext uri="{BB962C8B-B14F-4D97-AF65-F5344CB8AC3E}">
-        <p14:creationId xmlns:p14="http://schemas.microsoft.com/office/powerpoint/2010/main" xmlns="" val="944237588"/>
+        <p14:creationId xmlns:p14="http://schemas.microsoft.com/office/powerpoint/2010/main" val="944237588"/>
       </p:ext>
     </p:extLst>
   </p:cSld>
@@ -7266,6 +7270,11 @@
         </p:txBody>
       </p:sp>
     </p:spTree>
+    <p:extLst>
+      <p:ext uri="{BB962C8B-B14F-4D97-AF65-F5344CB8AC3E}">
+        <p14:creationId xmlns:p14="http://schemas.microsoft.com/office/powerpoint/2010/main" val="2316802554"/>
+      </p:ext>
+    </p:extLst>
   </p:cSld>
   <p:clrMapOvr>
     <a:masterClrMapping/>
@@ -7370,6 +7379,11 @@
         </p:txBody>
       </p:sp>
     </p:spTree>
+    <p:extLst>
+      <p:ext uri="{BB962C8B-B14F-4D97-AF65-F5344CB8AC3E}">
+        <p14:creationId xmlns:p14="http://schemas.microsoft.com/office/powerpoint/2010/main" val="2704507173"/>
+      </p:ext>
+    </p:extLst>
   </p:cSld>
   <p:clrMapOvr>
     <a:masterClrMapping/>
@@ -7378,6 +7392,432 @@
 </file>
 
 <file path=ppt/notesSlides/notesSlide65.xml><?xml version="1.0" encoding="utf-8"?>
+<p:notes xmlns:a="http://schemas.openxmlformats.org/drawingml/2006/main" xmlns:r="http://schemas.openxmlformats.org/officeDocument/2006/relationships" xmlns:p="http://schemas.openxmlformats.org/presentationml/2006/main" showMasterSp="0" showMasterPhAnim="0">
+  <p:cSld>
+    <p:spTree>
+      <p:nvGrpSpPr>
+        <p:cNvPr id="1" name="Shape 450"/>
+        <p:cNvGrpSpPr/>
+        <p:nvPr/>
+      </p:nvGrpSpPr>
+      <p:grpSpPr>
+        <a:xfrm>
+          <a:off x="0" y="0"/>
+          <a:ext cx="0" cy="0"/>
+          <a:chOff x="0" y="0"/>
+          <a:chExt cx="0" cy="0"/>
+        </a:xfrm>
+      </p:grpSpPr>
+      <p:sp>
+        <p:nvSpPr>
+          <p:cNvPr id="451" name="Google Shape;451;g2f62e005416_0_73:notes"/>
+          <p:cNvSpPr>
+            <a:spLocks noGrp="1" noRot="1" noChangeAspect="1"/>
+          </p:cNvSpPr>
+          <p:nvPr>
+            <p:ph type="sldImg" idx="2"/>
+          </p:nvPr>
+        </p:nvSpPr>
+        <p:spPr>
+          <a:xfrm>
+            <a:off x="381000" y="685800"/>
+            <a:ext cx="6096000" cy="3429000"/>
+          </a:xfrm>
+          <a:custGeom>
+            <a:avLst/>
+            <a:gdLst/>
+            <a:ahLst/>
+            <a:cxnLst/>
+            <a:rect l="l" t="t" r="r" b="b"/>
+            <a:pathLst>
+              <a:path w="120000" h="120000" extrusionOk="0">
+                <a:moveTo>
+                  <a:pt x="0" y="0"/>
+                </a:moveTo>
+                <a:lnTo>
+                  <a:pt x="120000" y="0"/>
+                </a:lnTo>
+                <a:lnTo>
+                  <a:pt x="120000" y="120000"/>
+                </a:lnTo>
+                <a:lnTo>
+                  <a:pt x="0" y="120000"/>
+                </a:lnTo>
+                <a:close/>
+              </a:path>
+            </a:pathLst>
+          </a:custGeom>
+        </p:spPr>
+      </p:sp>
+      <p:sp>
+        <p:nvSpPr>
+          <p:cNvPr id="452" name="Google Shape;452;g2f62e005416_0_73:notes"/>
+          <p:cNvSpPr txBox="1">
+            <a:spLocks noGrp="1"/>
+          </p:cNvSpPr>
+          <p:nvPr>
+            <p:ph type="body" idx="1"/>
+          </p:nvPr>
+        </p:nvSpPr>
+        <p:spPr>
+          <a:xfrm>
+            <a:off x="685800" y="4343400"/>
+            <a:ext cx="5486400" cy="4114800"/>
+          </a:xfrm>
+          <a:prstGeom prst="rect">
+            <a:avLst/>
+          </a:prstGeom>
+        </p:spPr>
+        <p:txBody>
+          <a:bodyPr spcFirstLastPara="1" wrap="square" lIns="91425" tIns="91425" rIns="91425" bIns="91425" anchor="t" anchorCtr="0">
+            <a:noAutofit/>
+          </a:bodyPr>
+          <a:lstStyle/>
+          <a:p>
+            <a:pPr marL="0" lvl="0" indent="0" algn="l" rtl="0">
+              <a:spcBef>
+                <a:spcPts val="0"/>
+              </a:spcBef>
+              <a:spcAft>
+                <a:spcPts val="0"/>
+              </a:spcAft>
+              <a:buNone/>
+            </a:pPr>
+            <a:endParaRPr/>
+          </a:p>
+        </p:txBody>
+      </p:sp>
+    </p:spTree>
+  </p:cSld>
+  <p:clrMapOvr>
+    <a:masterClrMapping/>
+  </p:clrMapOvr>
+</p:notes>
+</file>
+
+<file path=ppt/notesSlides/notesSlide66.xml><?xml version="1.0" encoding="utf-8"?>
+<p:notes xmlns:a="http://schemas.openxmlformats.org/drawingml/2006/main" xmlns:r="http://schemas.openxmlformats.org/officeDocument/2006/relationships" xmlns:p="http://schemas.openxmlformats.org/presentationml/2006/main" showMasterSp="0" showMasterPhAnim="0">
+  <p:cSld>
+    <p:spTree>
+      <p:nvGrpSpPr>
+        <p:cNvPr id="1" name="Shape 455"/>
+        <p:cNvGrpSpPr/>
+        <p:nvPr/>
+      </p:nvGrpSpPr>
+      <p:grpSpPr>
+        <a:xfrm>
+          <a:off x="0" y="0"/>
+          <a:ext cx="0" cy="0"/>
+          <a:chOff x="0" y="0"/>
+          <a:chExt cx="0" cy="0"/>
+        </a:xfrm>
+      </p:grpSpPr>
+      <p:sp>
+        <p:nvSpPr>
+          <p:cNvPr id="456" name="Google Shape;456;g2f62e005416_0_77:notes"/>
+          <p:cNvSpPr>
+            <a:spLocks noGrp="1" noRot="1" noChangeAspect="1"/>
+          </p:cNvSpPr>
+          <p:nvPr>
+            <p:ph type="sldImg" idx="2"/>
+          </p:nvPr>
+        </p:nvSpPr>
+        <p:spPr>
+          <a:xfrm>
+            <a:off x="381000" y="685800"/>
+            <a:ext cx="6096000" cy="3429000"/>
+          </a:xfrm>
+          <a:custGeom>
+            <a:avLst/>
+            <a:gdLst/>
+            <a:ahLst/>
+            <a:cxnLst/>
+            <a:rect l="l" t="t" r="r" b="b"/>
+            <a:pathLst>
+              <a:path w="120000" h="120000" extrusionOk="0">
+                <a:moveTo>
+                  <a:pt x="0" y="0"/>
+                </a:moveTo>
+                <a:lnTo>
+                  <a:pt x="120000" y="0"/>
+                </a:lnTo>
+                <a:lnTo>
+                  <a:pt x="120000" y="120000"/>
+                </a:lnTo>
+                <a:lnTo>
+                  <a:pt x="0" y="120000"/>
+                </a:lnTo>
+                <a:close/>
+              </a:path>
+            </a:pathLst>
+          </a:custGeom>
+        </p:spPr>
+      </p:sp>
+      <p:sp>
+        <p:nvSpPr>
+          <p:cNvPr id="457" name="Google Shape;457;g2f62e005416_0_77:notes"/>
+          <p:cNvSpPr txBox="1">
+            <a:spLocks noGrp="1"/>
+          </p:cNvSpPr>
+          <p:nvPr>
+            <p:ph type="body" idx="1"/>
+          </p:nvPr>
+        </p:nvSpPr>
+        <p:spPr>
+          <a:xfrm>
+            <a:off x="685800" y="4343400"/>
+            <a:ext cx="5486400" cy="4114800"/>
+          </a:xfrm>
+          <a:prstGeom prst="rect">
+            <a:avLst/>
+          </a:prstGeom>
+        </p:spPr>
+        <p:txBody>
+          <a:bodyPr spcFirstLastPara="1" wrap="square" lIns="91425" tIns="91425" rIns="91425" bIns="91425" anchor="t" anchorCtr="0">
+            <a:noAutofit/>
+          </a:bodyPr>
+          <a:lstStyle/>
+          <a:p>
+            <a:pPr marL="0" lvl="0" indent="0" algn="l" rtl="0">
+              <a:spcBef>
+                <a:spcPts val="0"/>
+              </a:spcBef>
+              <a:spcAft>
+                <a:spcPts val="0"/>
+              </a:spcAft>
+              <a:buNone/>
+            </a:pPr>
+            <a:endParaRPr/>
+          </a:p>
+        </p:txBody>
+      </p:sp>
+    </p:spTree>
+    <p:extLst>
+      <p:ext uri="{BB962C8B-B14F-4D97-AF65-F5344CB8AC3E}">
+        <p14:creationId xmlns:p14="http://schemas.microsoft.com/office/powerpoint/2010/main" val="198036651"/>
+      </p:ext>
+    </p:extLst>
+  </p:cSld>
+  <p:clrMapOvr>
+    <a:masterClrMapping/>
+  </p:clrMapOvr>
+</p:notes>
+</file>
+
+<file path=ppt/notesSlides/notesSlide67.xml><?xml version="1.0" encoding="utf-8"?>
+<p:notes xmlns:a="http://schemas.openxmlformats.org/drawingml/2006/main" xmlns:r="http://schemas.openxmlformats.org/officeDocument/2006/relationships" xmlns:p="http://schemas.openxmlformats.org/presentationml/2006/main" showMasterSp="0" showMasterPhAnim="0">
+  <p:cSld>
+    <p:spTree>
+      <p:nvGrpSpPr>
+        <p:cNvPr id="1" name="Shape 450"/>
+        <p:cNvGrpSpPr/>
+        <p:nvPr/>
+      </p:nvGrpSpPr>
+      <p:grpSpPr>
+        <a:xfrm>
+          <a:off x="0" y="0"/>
+          <a:ext cx="0" cy="0"/>
+          <a:chOff x="0" y="0"/>
+          <a:chExt cx="0" cy="0"/>
+        </a:xfrm>
+      </p:grpSpPr>
+      <p:sp>
+        <p:nvSpPr>
+          <p:cNvPr id="451" name="Google Shape;451;g2f62e005416_0_73:notes"/>
+          <p:cNvSpPr>
+            <a:spLocks noGrp="1" noRot="1" noChangeAspect="1"/>
+          </p:cNvSpPr>
+          <p:nvPr>
+            <p:ph type="sldImg" idx="2"/>
+          </p:nvPr>
+        </p:nvSpPr>
+        <p:spPr>
+          <a:xfrm>
+            <a:off x="381000" y="685800"/>
+            <a:ext cx="6096000" cy="3429000"/>
+          </a:xfrm>
+          <a:custGeom>
+            <a:avLst/>
+            <a:gdLst/>
+            <a:ahLst/>
+            <a:cxnLst/>
+            <a:rect l="l" t="t" r="r" b="b"/>
+            <a:pathLst>
+              <a:path w="120000" h="120000" extrusionOk="0">
+                <a:moveTo>
+                  <a:pt x="0" y="0"/>
+                </a:moveTo>
+                <a:lnTo>
+                  <a:pt x="120000" y="0"/>
+                </a:lnTo>
+                <a:lnTo>
+                  <a:pt x="120000" y="120000"/>
+                </a:lnTo>
+                <a:lnTo>
+                  <a:pt x="0" y="120000"/>
+                </a:lnTo>
+                <a:close/>
+              </a:path>
+            </a:pathLst>
+          </a:custGeom>
+        </p:spPr>
+      </p:sp>
+      <p:sp>
+        <p:nvSpPr>
+          <p:cNvPr id="452" name="Google Shape;452;g2f62e005416_0_73:notes"/>
+          <p:cNvSpPr txBox="1">
+            <a:spLocks noGrp="1"/>
+          </p:cNvSpPr>
+          <p:nvPr>
+            <p:ph type="body" idx="1"/>
+          </p:nvPr>
+        </p:nvSpPr>
+        <p:spPr>
+          <a:xfrm>
+            <a:off x="685800" y="4343400"/>
+            <a:ext cx="5486400" cy="4114800"/>
+          </a:xfrm>
+          <a:prstGeom prst="rect">
+            <a:avLst/>
+          </a:prstGeom>
+        </p:spPr>
+        <p:txBody>
+          <a:bodyPr spcFirstLastPara="1" wrap="square" lIns="91425" tIns="91425" rIns="91425" bIns="91425" anchor="t" anchorCtr="0">
+            <a:noAutofit/>
+          </a:bodyPr>
+          <a:lstStyle/>
+          <a:p>
+            <a:pPr marL="0" lvl="0" indent="0" algn="l" rtl="0">
+              <a:spcBef>
+                <a:spcPts val="0"/>
+              </a:spcBef>
+              <a:spcAft>
+                <a:spcPts val="0"/>
+              </a:spcAft>
+              <a:buNone/>
+            </a:pPr>
+            <a:endParaRPr/>
+          </a:p>
+        </p:txBody>
+      </p:sp>
+    </p:spTree>
+    <p:extLst>
+      <p:ext uri="{BB962C8B-B14F-4D97-AF65-F5344CB8AC3E}">
+        <p14:creationId xmlns:p14="http://schemas.microsoft.com/office/powerpoint/2010/main" val="2429641848"/>
+      </p:ext>
+    </p:extLst>
+  </p:cSld>
+  <p:clrMapOvr>
+    <a:masterClrMapping/>
+  </p:clrMapOvr>
+</p:notes>
+</file>
+
+<file path=ppt/notesSlides/notesSlide68.xml><?xml version="1.0" encoding="utf-8"?>
+<p:notes xmlns:a="http://schemas.openxmlformats.org/drawingml/2006/main" xmlns:r="http://schemas.openxmlformats.org/officeDocument/2006/relationships" xmlns:p="http://schemas.openxmlformats.org/presentationml/2006/main" showMasterSp="0" showMasterPhAnim="0">
+  <p:cSld>
+    <p:spTree>
+      <p:nvGrpSpPr>
+        <p:cNvPr id="1" name="Shape 455"/>
+        <p:cNvGrpSpPr/>
+        <p:nvPr/>
+      </p:nvGrpSpPr>
+      <p:grpSpPr>
+        <a:xfrm>
+          <a:off x="0" y="0"/>
+          <a:ext cx="0" cy="0"/>
+          <a:chOff x="0" y="0"/>
+          <a:chExt cx="0" cy="0"/>
+        </a:xfrm>
+      </p:grpSpPr>
+      <p:sp>
+        <p:nvSpPr>
+          <p:cNvPr id="456" name="Google Shape;456;g2f62e005416_0_77:notes"/>
+          <p:cNvSpPr>
+            <a:spLocks noGrp="1" noRot="1" noChangeAspect="1"/>
+          </p:cNvSpPr>
+          <p:nvPr>
+            <p:ph type="sldImg" idx="2"/>
+          </p:nvPr>
+        </p:nvSpPr>
+        <p:spPr>
+          <a:xfrm>
+            <a:off x="381000" y="685800"/>
+            <a:ext cx="6096000" cy="3429000"/>
+          </a:xfrm>
+          <a:custGeom>
+            <a:avLst/>
+            <a:gdLst/>
+            <a:ahLst/>
+            <a:cxnLst/>
+            <a:rect l="l" t="t" r="r" b="b"/>
+            <a:pathLst>
+              <a:path w="120000" h="120000" extrusionOk="0">
+                <a:moveTo>
+                  <a:pt x="0" y="0"/>
+                </a:moveTo>
+                <a:lnTo>
+                  <a:pt x="120000" y="0"/>
+                </a:lnTo>
+                <a:lnTo>
+                  <a:pt x="120000" y="120000"/>
+                </a:lnTo>
+                <a:lnTo>
+                  <a:pt x="0" y="120000"/>
+                </a:lnTo>
+                <a:close/>
+              </a:path>
+            </a:pathLst>
+          </a:custGeom>
+        </p:spPr>
+      </p:sp>
+      <p:sp>
+        <p:nvSpPr>
+          <p:cNvPr id="457" name="Google Shape;457;g2f62e005416_0_77:notes"/>
+          <p:cNvSpPr txBox="1">
+            <a:spLocks noGrp="1"/>
+          </p:cNvSpPr>
+          <p:nvPr>
+            <p:ph type="body" idx="1"/>
+          </p:nvPr>
+        </p:nvSpPr>
+        <p:spPr>
+          <a:xfrm>
+            <a:off x="685800" y="4343400"/>
+            <a:ext cx="5486400" cy="4114800"/>
+          </a:xfrm>
+          <a:prstGeom prst="rect">
+            <a:avLst/>
+          </a:prstGeom>
+        </p:spPr>
+        <p:txBody>
+          <a:bodyPr spcFirstLastPara="1" wrap="square" lIns="91425" tIns="91425" rIns="91425" bIns="91425" anchor="t" anchorCtr="0">
+            <a:noAutofit/>
+          </a:bodyPr>
+          <a:lstStyle/>
+          <a:p>
+            <a:pPr marL="0" lvl="0" indent="0" algn="l" rtl="0">
+              <a:spcBef>
+                <a:spcPts val="0"/>
+              </a:spcBef>
+              <a:spcAft>
+                <a:spcPts val="0"/>
+              </a:spcAft>
+              <a:buNone/>
+            </a:pPr>
+            <a:endParaRPr/>
+          </a:p>
+        </p:txBody>
+      </p:sp>
+    </p:spTree>
+  </p:cSld>
+  <p:clrMapOvr>
+    <a:masterClrMapping/>
+  </p:clrMapOvr>
+</p:notes>
+</file>
+
+<file path=ppt/notesSlides/notesSlide69.xml><?xml version="1.0" encoding="utf-8"?>
 <p:notes xmlns:a="http://schemas.openxmlformats.org/drawingml/2006/main" xmlns:r="http://schemas.openxmlformats.org/officeDocument/2006/relationships" xmlns:p="http://schemas.openxmlformats.org/presentationml/2006/main" showMasterSp="0" showMasterPhAnim="0">
   <p:cSld>
     <p:spTree>
@@ -7438,214 +7878,6 @@
       <p:sp>
         <p:nvSpPr>
           <p:cNvPr id="463" name="Google Shape;463;g2f62e005416_0_85:notes"/>
-          <p:cNvSpPr txBox="1">
-            <a:spLocks noGrp="1"/>
-          </p:cNvSpPr>
-          <p:nvPr>
-            <p:ph type="body" idx="1"/>
-          </p:nvPr>
-        </p:nvSpPr>
-        <p:spPr>
-          <a:xfrm>
-            <a:off x="685800" y="4343400"/>
-            <a:ext cx="5486400" cy="4114800"/>
-          </a:xfrm>
-          <a:prstGeom prst="rect">
-            <a:avLst/>
-          </a:prstGeom>
-        </p:spPr>
-        <p:txBody>
-          <a:bodyPr spcFirstLastPara="1" wrap="square" lIns="91425" tIns="91425" rIns="91425" bIns="91425" anchor="t" anchorCtr="0">
-            <a:noAutofit/>
-          </a:bodyPr>
-          <a:lstStyle/>
-          <a:p>
-            <a:pPr marL="0" lvl="0" indent="0" algn="l" rtl="0">
-              <a:spcBef>
-                <a:spcPts val="0"/>
-              </a:spcBef>
-              <a:spcAft>
-                <a:spcPts val="0"/>
-              </a:spcAft>
-              <a:buNone/>
-            </a:pPr>
-            <a:endParaRPr/>
-          </a:p>
-        </p:txBody>
-      </p:sp>
-    </p:spTree>
-  </p:cSld>
-  <p:clrMapOvr>
-    <a:masterClrMapping/>
-  </p:clrMapOvr>
-</p:notes>
-</file>
-
-<file path=ppt/notesSlides/notesSlide66.xml><?xml version="1.0" encoding="utf-8"?>
-<p:notes xmlns:a="http://schemas.openxmlformats.org/drawingml/2006/main" xmlns:r="http://schemas.openxmlformats.org/officeDocument/2006/relationships" xmlns:p="http://schemas.openxmlformats.org/presentationml/2006/main" showMasterSp="0" showMasterPhAnim="0">
-  <p:cSld>
-    <p:spTree>
-      <p:nvGrpSpPr>
-        <p:cNvPr id="1" name="Shape 466"/>
-        <p:cNvGrpSpPr/>
-        <p:nvPr/>
-      </p:nvGrpSpPr>
-      <p:grpSpPr>
-        <a:xfrm>
-          <a:off x="0" y="0"/>
-          <a:ext cx="0" cy="0"/>
-          <a:chOff x="0" y="0"/>
-          <a:chExt cx="0" cy="0"/>
-        </a:xfrm>
-      </p:grpSpPr>
-      <p:sp>
-        <p:nvSpPr>
-          <p:cNvPr id="467" name="Google Shape;467;g2f62e005416_0_89:notes"/>
-          <p:cNvSpPr>
-            <a:spLocks noGrp="1" noRot="1" noChangeAspect="1"/>
-          </p:cNvSpPr>
-          <p:nvPr>
-            <p:ph type="sldImg" idx="2"/>
-          </p:nvPr>
-        </p:nvSpPr>
-        <p:spPr>
-          <a:xfrm>
-            <a:off x="381000" y="685800"/>
-            <a:ext cx="6096000" cy="3429000"/>
-          </a:xfrm>
-          <a:custGeom>
-            <a:avLst/>
-            <a:gdLst/>
-            <a:ahLst/>
-            <a:cxnLst/>
-            <a:rect l="l" t="t" r="r" b="b"/>
-            <a:pathLst>
-              <a:path w="120000" h="120000" extrusionOk="0">
-                <a:moveTo>
-                  <a:pt x="0" y="0"/>
-                </a:moveTo>
-                <a:lnTo>
-                  <a:pt x="120000" y="0"/>
-                </a:lnTo>
-                <a:lnTo>
-                  <a:pt x="120000" y="120000"/>
-                </a:lnTo>
-                <a:lnTo>
-                  <a:pt x="0" y="120000"/>
-                </a:lnTo>
-                <a:close/>
-              </a:path>
-            </a:pathLst>
-          </a:custGeom>
-        </p:spPr>
-      </p:sp>
-      <p:sp>
-        <p:nvSpPr>
-          <p:cNvPr id="468" name="Google Shape;468;g2f62e005416_0_89:notes"/>
-          <p:cNvSpPr txBox="1">
-            <a:spLocks noGrp="1"/>
-          </p:cNvSpPr>
-          <p:nvPr>
-            <p:ph type="body" idx="1"/>
-          </p:nvPr>
-        </p:nvSpPr>
-        <p:spPr>
-          <a:xfrm>
-            <a:off x="685800" y="4343400"/>
-            <a:ext cx="5486400" cy="4114800"/>
-          </a:xfrm>
-          <a:prstGeom prst="rect">
-            <a:avLst/>
-          </a:prstGeom>
-        </p:spPr>
-        <p:txBody>
-          <a:bodyPr spcFirstLastPara="1" wrap="square" lIns="91425" tIns="91425" rIns="91425" bIns="91425" anchor="t" anchorCtr="0">
-            <a:noAutofit/>
-          </a:bodyPr>
-          <a:lstStyle/>
-          <a:p>
-            <a:pPr marL="0" lvl="0" indent="0" algn="l" rtl="0">
-              <a:spcBef>
-                <a:spcPts val="0"/>
-              </a:spcBef>
-              <a:spcAft>
-                <a:spcPts val="0"/>
-              </a:spcAft>
-              <a:buNone/>
-            </a:pPr>
-            <a:endParaRPr/>
-          </a:p>
-        </p:txBody>
-      </p:sp>
-    </p:spTree>
-  </p:cSld>
-  <p:clrMapOvr>
-    <a:masterClrMapping/>
-  </p:clrMapOvr>
-</p:notes>
-</file>
-
-<file path=ppt/notesSlides/notesSlide67.xml><?xml version="1.0" encoding="utf-8"?>
-<p:notes xmlns:a="http://schemas.openxmlformats.org/drawingml/2006/main" xmlns:r="http://schemas.openxmlformats.org/officeDocument/2006/relationships" xmlns:p="http://schemas.openxmlformats.org/presentationml/2006/main" showMasterSp="0" showMasterPhAnim="0">
-  <p:cSld>
-    <p:spTree>
-      <p:nvGrpSpPr>
-        <p:cNvPr id="1" name="Shape 472"/>
-        <p:cNvGrpSpPr/>
-        <p:nvPr/>
-      </p:nvGrpSpPr>
-      <p:grpSpPr>
-        <a:xfrm>
-          <a:off x="0" y="0"/>
-          <a:ext cx="0" cy="0"/>
-          <a:chOff x="0" y="0"/>
-          <a:chExt cx="0" cy="0"/>
-        </a:xfrm>
-      </p:grpSpPr>
-      <p:sp>
-        <p:nvSpPr>
-          <p:cNvPr id="473" name="Google Shape;473;ge3a7074569_0_1:notes"/>
-          <p:cNvSpPr>
-            <a:spLocks noGrp="1" noRot="1" noChangeAspect="1"/>
-          </p:cNvSpPr>
-          <p:nvPr>
-            <p:ph type="sldImg" idx="2"/>
-          </p:nvPr>
-        </p:nvSpPr>
-        <p:spPr>
-          <a:xfrm>
-            <a:off x="381000" y="685800"/>
-            <a:ext cx="6096000" cy="3429000"/>
-          </a:xfrm>
-          <a:custGeom>
-            <a:avLst/>
-            <a:gdLst/>
-            <a:ahLst/>
-            <a:cxnLst/>
-            <a:rect l="l" t="t" r="r" b="b"/>
-            <a:pathLst>
-              <a:path w="120000" h="120000" extrusionOk="0">
-                <a:moveTo>
-                  <a:pt x="0" y="0"/>
-                </a:moveTo>
-                <a:lnTo>
-                  <a:pt x="120000" y="0"/>
-                </a:lnTo>
-                <a:lnTo>
-                  <a:pt x="120000" y="120000"/>
-                </a:lnTo>
-                <a:lnTo>
-                  <a:pt x="0" y="120000"/>
-                </a:lnTo>
-                <a:close/>
-              </a:path>
-            </a:pathLst>
-          </a:custGeom>
-        </p:spPr>
-      </p:sp>
-      <p:sp>
-        <p:nvSpPr>
-          <p:cNvPr id="474" name="Google Shape;474;ge3a7074569_0_1:notes"/>
           <p:cNvSpPr txBox="1">
             <a:spLocks noGrp="1"/>
           </p:cNvSpPr>
@@ -7793,6 +8025,214 @@
 </p:notes>
 </file>
 
+<file path=ppt/notesSlides/notesSlide70.xml><?xml version="1.0" encoding="utf-8"?>
+<p:notes xmlns:a="http://schemas.openxmlformats.org/drawingml/2006/main" xmlns:r="http://schemas.openxmlformats.org/officeDocument/2006/relationships" xmlns:p="http://schemas.openxmlformats.org/presentationml/2006/main" showMasterSp="0" showMasterPhAnim="0">
+  <p:cSld>
+    <p:spTree>
+      <p:nvGrpSpPr>
+        <p:cNvPr id="1" name="Shape 466"/>
+        <p:cNvGrpSpPr/>
+        <p:nvPr/>
+      </p:nvGrpSpPr>
+      <p:grpSpPr>
+        <a:xfrm>
+          <a:off x="0" y="0"/>
+          <a:ext cx="0" cy="0"/>
+          <a:chOff x="0" y="0"/>
+          <a:chExt cx="0" cy="0"/>
+        </a:xfrm>
+      </p:grpSpPr>
+      <p:sp>
+        <p:nvSpPr>
+          <p:cNvPr id="467" name="Google Shape;467;g2f62e005416_0_89:notes"/>
+          <p:cNvSpPr>
+            <a:spLocks noGrp="1" noRot="1" noChangeAspect="1"/>
+          </p:cNvSpPr>
+          <p:nvPr>
+            <p:ph type="sldImg" idx="2"/>
+          </p:nvPr>
+        </p:nvSpPr>
+        <p:spPr>
+          <a:xfrm>
+            <a:off x="381000" y="685800"/>
+            <a:ext cx="6096000" cy="3429000"/>
+          </a:xfrm>
+          <a:custGeom>
+            <a:avLst/>
+            <a:gdLst/>
+            <a:ahLst/>
+            <a:cxnLst/>
+            <a:rect l="l" t="t" r="r" b="b"/>
+            <a:pathLst>
+              <a:path w="120000" h="120000" extrusionOk="0">
+                <a:moveTo>
+                  <a:pt x="0" y="0"/>
+                </a:moveTo>
+                <a:lnTo>
+                  <a:pt x="120000" y="0"/>
+                </a:lnTo>
+                <a:lnTo>
+                  <a:pt x="120000" y="120000"/>
+                </a:lnTo>
+                <a:lnTo>
+                  <a:pt x="0" y="120000"/>
+                </a:lnTo>
+                <a:close/>
+              </a:path>
+            </a:pathLst>
+          </a:custGeom>
+        </p:spPr>
+      </p:sp>
+      <p:sp>
+        <p:nvSpPr>
+          <p:cNvPr id="468" name="Google Shape;468;g2f62e005416_0_89:notes"/>
+          <p:cNvSpPr txBox="1">
+            <a:spLocks noGrp="1"/>
+          </p:cNvSpPr>
+          <p:nvPr>
+            <p:ph type="body" idx="1"/>
+          </p:nvPr>
+        </p:nvSpPr>
+        <p:spPr>
+          <a:xfrm>
+            <a:off x="685800" y="4343400"/>
+            <a:ext cx="5486400" cy="4114800"/>
+          </a:xfrm>
+          <a:prstGeom prst="rect">
+            <a:avLst/>
+          </a:prstGeom>
+        </p:spPr>
+        <p:txBody>
+          <a:bodyPr spcFirstLastPara="1" wrap="square" lIns="91425" tIns="91425" rIns="91425" bIns="91425" anchor="t" anchorCtr="0">
+            <a:noAutofit/>
+          </a:bodyPr>
+          <a:lstStyle/>
+          <a:p>
+            <a:pPr marL="0" lvl="0" indent="0" algn="l" rtl="0">
+              <a:spcBef>
+                <a:spcPts val="0"/>
+              </a:spcBef>
+              <a:spcAft>
+                <a:spcPts val="0"/>
+              </a:spcAft>
+              <a:buNone/>
+            </a:pPr>
+            <a:endParaRPr/>
+          </a:p>
+        </p:txBody>
+      </p:sp>
+    </p:spTree>
+  </p:cSld>
+  <p:clrMapOvr>
+    <a:masterClrMapping/>
+  </p:clrMapOvr>
+</p:notes>
+</file>
+
+<file path=ppt/notesSlides/notesSlide71.xml><?xml version="1.0" encoding="utf-8"?>
+<p:notes xmlns:a="http://schemas.openxmlformats.org/drawingml/2006/main" xmlns:r="http://schemas.openxmlformats.org/officeDocument/2006/relationships" xmlns:p="http://schemas.openxmlformats.org/presentationml/2006/main" showMasterSp="0" showMasterPhAnim="0">
+  <p:cSld>
+    <p:spTree>
+      <p:nvGrpSpPr>
+        <p:cNvPr id="1" name="Shape 472"/>
+        <p:cNvGrpSpPr/>
+        <p:nvPr/>
+      </p:nvGrpSpPr>
+      <p:grpSpPr>
+        <a:xfrm>
+          <a:off x="0" y="0"/>
+          <a:ext cx="0" cy="0"/>
+          <a:chOff x="0" y="0"/>
+          <a:chExt cx="0" cy="0"/>
+        </a:xfrm>
+      </p:grpSpPr>
+      <p:sp>
+        <p:nvSpPr>
+          <p:cNvPr id="473" name="Google Shape;473;ge3a7074569_0_1:notes"/>
+          <p:cNvSpPr>
+            <a:spLocks noGrp="1" noRot="1" noChangeAspect="1"/>
+          </p:cNvSpPr>
+          <p:nvPr>
+            <p:ph type="sldImg" idx="2"/>
+          </p:nvPr>
+        </p:nvSpPr>
+        <p:spPr>
+          <a:xfrm>
+            <a:off x="381000" y="685800"/>
+            <a:ext cx="6096000" cy="3429000"/>
+          </a:xfrm>
+          <a:custGeom>
+            <a:avLst/>
+            <a:gdLst/>
+            <a:ahLst/>
+            <a:cxnLst/>
+            <a:rect l="l" t="t" r="r" b="b"/>
+            <a:pathLst>
+              <a:path w="120000" h="120000" extrusionOk="0">
+                <a:moveTo>
+                  <a:pt x="0" y="0"/>
+                </a:moveTo>
+                <a:lnTo>
+                  <a:pt x="120000" y="0"/>
+                </a:lnTo>
+                <a:lnTo>
+                  <a:pt x="120000" y="120000"/>
+                </a:lnTo>
+                <a:lnTo>
+                  <a:pt x="0" y="120000"/>
+                </a:lnTo>
+                <a:close/>
+              </a:path>
+            </a:pathLst>
+          </a:custGeom>
+        </p:spPr>
+      </p:sp>
+      <p:sp>
+        <p:nvSpPr>
+          <p:cNvPr id="474" name="Google Shape;474;ge3a7074569_0_1:notes"/>
+          <p:cNvSpPr txBox="1">
+            <a:spLocks noGrp="1"/>
+          </p:cNvSpPr>
+          <p:nvPr>
+            <p:ph type="body" idx="1"/>
+          </p:nvPr>
+        </p:nvSpPr>
+        <p:spPr>
+          <a:xfrm>
+            <a:off x="685800" y="4343400"/>
+            <a:ext cx="5486400" cy="4114800"/>
+          </a:xfrm>
+          <a:prstGeom prst="rect">
+            <a:avLst/>
+          </a:prstGeom>
+        </p:spPr>
+        <p:txBody>
+          <a:bodyPr spcFirstLastPara="1" wrap="square" lIns="91425" tIns="91425" rIns="91425" bIns="91425" anchor="t" anchorCtr="0">
+            <a:noAutofit/>
+          </a:bodyPr>
+          <a:lstStyle/>
+          <a:p>
+            <a:pPr marL="0" lvl="0" indent="0" algn="l" rtl="0">
+              <a:spcBef>
+                <a:spcPts val="0"/>
+              </a:spcBef>
+              <a:spcAft>
+                <a:spcPts val="0"/>
+              </a:spcAft>
+              <a:buNone/>
+            </a:pPr>
+            <a:endParaRPr/>
+          </a:p>
+        </p:txBody>
+      </p:sp>
+    </p:spTree>
+  </p:cSld>
+  <p:clrMapOvr>
+    <a:masterClrMapping/>
+  </p:clrMapOvr>
+</p:notes>
+</file>
+
 <file path=ppt/notesSlides/notesSlide8.xml><?xml version="1.0" encoding="utf-8"?>
 <p:notes xmlns:a="http://schemas.openxmlformats.org/drawingml/2006/main" xmlns:r="http://schemas.openxmlformats.org/officeDocument/2006/relationships" xmlns:p="http://schemas.openxmlformats.org/presentationml/2006/main" showMasterSp="0" showMasterPhAnim="0">
   <p:cSld>
@@ -7996,7 +8436,7 @@
     </p:spTree>
     <p:extLst>
       <p:ext uri="{BB962C8B-B14F-4D97-AF65-F5344CB8AC3E}">
-        <p14:creationId xmlns="" xmlns:p14="http://schemas.microsoft.com/office/powerpoint/2010/main" val="229109771"/>
+        <p14:creationId xmlns:p14="http://schemas.microsoft.com/office/powerpoint/2010/main" val="229109771"/>
       </p:ext>
     </p:extLst>
   </p:cSld>
@@ -12009,7 +12449,7 @@
   </p:clrMapOvr>
   <p:extLst>
     <p:ext uri="{DCECCB84-F9BA-43D5-87BE-67443E8EF086}">
-      <p15:sldGuideLst xmlns="" xmlns:p15="http://schemas.microsoft.com/office/powerpoint/2012/main">
+      <p15:sldGuideLst xmlns:p15="http://schemas.microsoft.com/office/powerpoint/2012/main">
         <p15:guide id="1" pos="397">
           <p15:clr>
             <a:srgbClr val="FA7B17"/>
@@ -15207,7 +15647,7 @@
     </p:spTree>
     <p:extLst>
       <p:ext uri="{BB962C8B-B14F-4D97-AF65-F5344CB8AC3E}">
-        <p14:creationId xmlns="" xmlns:p14="http://schemas.microsoft.com/office/powerpoint/2010/main" val="4136653412"/>
+        <p14:creationId xmlns:p14="http://schemas.microsoft.com/office/powerpoint/2010/main" val="4136653412"/>
       </p:ext>
     </p:extLst>
   </p:cSld>
@@ -15414,7 +15854,7 @@
     </p:spTree>
     <p:extLst>
       <p:ext uri="{BB962C8B-B14F-4D97-AF65-F5344CB8AC3E}">
-        <p14:creationId xmlns="" xmlns:p14="http://schemas.microsoft.com/office/powerpoint/2010/main" val="3202757603"/>
+        <p14:creationId xmlns:p14="http://schemas.microsoft.com/office/powerpoint/2010/main" val="3202757603"/>
       </p:ext>
     </p:extLst>
   </p:cSld>
@@ -15505,7 +15945,7 @@
     </p:spTree>
     <p:extLst>
       <p:ext uri="{BB962C8B-B14F-4D97-AF65-F5344CB8AC3E}">
-        <p14:creationId xmlns="" xmlns:p14="http://schemas.microsoft.com/office/powerpoint/2010/main" val="189444067"/>
+        <p14:creationId xmlns:p14="http://schemas.microsoft.com/office/powerpoint/2010/main" val="189444067"/>
       </p:ext>
     </p:extLst>
   </p:cSld>
@@ -15792,7 +16232,7 @@
     </p:spTree>
     <p:extLst>
       <p:ext uri="{BB962C8B-B14F-4D97-AF65-F5344CB8AC3E}">
-        <p14:creationId xmlns="" xmlns:p14="http://schemas.microsoft.com/office/powerpoint/2010/main" val="3031471623"/>
+        <p14:creationId xmlns:p14="http://schemas.microsoft.com/office/powerpoint/2010/main" val="3031471623"/>
       </p:ext>
     </p:extLst>
   </p:cSld>
@@ -16027,7 +16467,7 @@
     </p:spTree>
     <p:extLst>
       <p:ext uri="{BB962C8B-B14F-4D97-AF65-F5344CB8AC3E}">
-        <p14:creationId xmlns="" xmlns:p14="http://schemas.microsoft.com/office/powerpoint/2010/main" val="3031471623"/>
+        <p14:creationId xmlns:p14="http://schemas.microsoft.com/office/powerpoint/2010/main" val="3031471623"/>
       </p:ext>
     </p:extLst>
   </p:cSld>
@@ -16306,7 +16746,7 @@
     </p:spTree>
     <p:extLst>
       <p:ext uri="{BB962C8B-B14F-4D97-AF65-F5344CB8AC3E}">
-        <p14:creationId xmlns="" xmlns:p14="http://schemas.microsoft.com/office/powerpoint/2010/main" val="2681438897"/>
+        <p14:creationId xmlns:p14="http://schemas.microsoft.com/office/powerpoint/2010/main" val="2681438897"/>
       </p:ext>
     </p:extLst>
   </p:cSld>
@@ -16503,7 +16943,7 @@
     </p:spTree>
     <p:extLst>
       <p:ext uri="{BB962C8B-B14F-4D97-AF65-F5344CB8AC3E}">
-        <p14:creationId xmlns="" xmlns:p14="http://schemas.microsoft.com/office/powerpoint/2010/main" val="1833493414"/>
+        <p14:creationId xmlns:p14="http://schemas.microsoft.com/office/powerpoint/2010/main" val="1833493414"/>
       </p:ext>
     </p:extLst>
   </p:cSld>
@@ -16895,7 +17335,7 @@
     </p:spTree>
     <p:extLst>
       <p:ext uri="{BB962C8B-B14F-4D97-AF65-F5344CB8AC3E}">
-        <p14:creationId xmlns="" xmlns:p14="http://schemas.microsoft.com/office/powerpoint/2010/main" val="248511585"/>
+        <p14:creationId xmlns:p14="http://schemas.microsoft.com/office/powerpoint/2010/main" val="248511585"/>
       </p:ext>
     </p:extLst>
   </p:cSld>
@@ -17737,7 +18177,7 @@
     </p:spTree>
     <p:extLst>
       <p:ext uri="{BB962C8B-B14F-4D97-AF65-F5344CB8AC3E}">
-        <p14:creationId xmlns="" xmlns:p14="http://schemas.microsoft.com/office/powerpoint/2010/main" val="644465044"/>
+        <p14:creationId xmlns:p14="http://schemas.microsoft.com/office/powerpoint/2010/main" val="644465044"/>
       </p:ext>
     </p:extLst>
   </p:cSld>
@@ -18522,7 +18962,7 @@
     </p:spTree>
     <p:extLst>
       <p:ext uri="{BB962C8B-B14F-4D97-AF65-F5344CB8AC3E}">
-        <p14:creationId xmlns="" xmlns:p14="http://schemas.microsoft.com/office/powerpoint/2010/main" val="156626269"/>
+        <p14:creationId xmlns:p14="http://schemas.microsoft.com/office/powerpoint/2010/main" val="156626269"/>
       </p:ext>
     </p:extLst>
   </p:cSld>
@@ -18710,7 +19150,7 @@
     </p:spTree>
     <p:extLst>
       <p:ext uri="{BB962C8B-B14F-4D97-AF65-F5344CB8AC3E}">
-        <p14:creationId xmlns="" xmlns:p14="http://schemas.microsoft.com/office/powerpoint/2010/main" val="2913875090"/>
+        <p14:creationId xmlns:p14="http://schemas.microsoft.com/office/powerpoint/2010/main" val="2913875090"/>
       </p:ext>
     </p:extLst>
   </p:cSld>
@@ -19069,7 +19509,7 @@
     </p:spTree>
     <p:extLst>
       <p:ext uri="{BB962C8B-B14F-4D97-AF65-F5344CB8AC3E}">
-        <p14:creationId xmlns="" xmlns:p14="http://schemas.microsoft.com/office/powerpoint/2010/main" val="4032434902"/>
+        <p14:creationId xmlns:p14="http://schemas.microsoft.com/office/powerpoint/2010/main" val="4032434902"/>
       </p:ext>
     </p:extLst>
   </p:cSld>
@@ -19246,7 +19686,7 @@
     </p:spTree>
     <p:extLst>
       <p:ext uri="{BB962C8B-B14F-4D97-AF65-F5344CB8AC3E}">
-        <p14:creationId xmlns="" xmlns:p14="http://schemas.microsoft.com/office/powerpoint/2010/main" val="527839848"/>
+        <p14:creationId xmlns:p14="http://schemas.microsoft.com/office/powerpoint/2010/main" val="527839848"/>
       </p:ext>
     </p:extLst>
   </p:cSld>
@@ -19325,7 +19765,7 @@
     </p:spTree>
     <p:extLst>
       <p:ext uri="{BB962C8B-B14F-4D97-AF65-F5344CB8AC3E}">
-        <p14:creationId xmlns="" xmlns:p14="http://schemas.microsoft.com/office/powerpoint/2010/main" val="1278776193"/>
+        <p14:creationId xmlns:p14="http://schemas.microsoft.com/office/powerpoint/2010/main" val="1278776193"/>
       </p:ext>
     </p:extLst>
   </p:cSld>
@@ -19715,7 +20155,7 @@
     </p:spTree>
     <p:extLst>
       <p:ext uri="{BB962C8B-B14F-4D97-AF65-F5344CB8AC3E}">
-        <p14:creationId xmlns="" xmlns:p14="http://schemas.microsoft.com/office/powerpoint/2010/main" val="3181728970"/>
+        <p14:creationId xmlns:p14="http://schemas.microsoft.com/office/powerpoint/2010/main" val="3181728970"/>
       </p:ext>
     </p:extLst>
   </p:cSld>
@@ -20248,7 +20688,7 @@
     </p:spTree>
     <p:extLst>
       <p:ext uri="{BB962C8B-B14F-4D97-AF65-F5344CB8AC3E}">
-        <p14:creationId xmlns="" xmlns:p14="http://schemas.microsoft.com/office/powerpoint/2010/main" val="2241040002"/>
+        <p14:creationId xmlns:p14="http://schemas.microsoft.com/office/powerpoint/2010/main" val="2241040002"/>
       </p:ext>
     </p:extLst>
   </p:cSld>
@@ -20621,7 +21061,7 @@
     </p:spTree>
     <p:extLst>
       <p:ext uri="{BB962C8B-B14F-4D97-AF65-F5344CB8AC3E}">
-        <p14:creationId xmlns="" xmlns:p14="http://schemas.microsoft.com/office/powerpoint/2010/main" val="3660064036"/>
+        <p14:creationId xmlns:p14="http://schemas.microsoft.com/office/powerpoint/2010/main" val="3660064036"/>
       </p:ext>
     </p:extLst>
   </p:cSld>
@@ -21021,7 +21461,7 @@
     </p:spTree>
     <p:extLst>
       <p:ext uri="{BB962C8B-B14F-4D97-AF65-F5344CB8AC3E}">
-        <p14:creationId xmlns="" xmlns:p14="http://schemas.microsoft.com/office/powerpoint/2010/main" val="641603757"/>
+        <p14:creationId xmlns:p14="http://schemas.microsoft.com/office/powerpoint/2010/main" val="641603757"/>
       </p:ext>
     </p:extLst>
   </p:cSld>
@@ -21100,7 +21540,7 @@
     </p:spTree>
     <p:extLst>
       <p:ext uri="{BB962C8B-B14F-4D97-AF65-F5344CB8AC3E}">
-        <p14:creationId xmlns="" xmlns:p14="http://schemas.microsoft.com/office/powerpoint/2010/main" val="2325750740"/>
+        <p14:creationId xmlns:p14="http://schemas.microsoft.com/office/powerpoint/2010/main" val="2325750740"/>
       </p:ext>
     </p:extLst>
   </p:cSld>
@@ -21318,7 +21758,7 @@
     </p:spTree>
     <p:extLst>
       <p:ext uri="{BB962C8B-B14F-4D97-AF65-F5344CB8AC3E}">
-        <p14:creationId xmlns="" xmlns:p14="http://schemas.microsoft.com/office/powerpoint/2010/main" val="4000945297"/>
+        <p14:creationId xmlns:p14="http://schemas.microsoft.com/office/powerpoint/2010/main" val="4000945297"/>
       </p:ext>
     </p:extLst>
   </p:cSld>
@@ -21774,7 +22214,7 @@
     </p:spTree>
     <p:extLst>
       <p:ext uri="{BB962C8B-B14F-4D97-AF65-F5344CB8AC3E}">
-        <p14:creationId xmlns="" xmlns:p14="http://schemas.microsoft.com/office/powerpoint/2010/main" val="2265735549"/>
+        <p14:creationId xmlns:p14="http://schemas.microsoft.com/office/powerpoint/2010/main" val="2265735549"/>
       </p:ext>
     </p:extLst>
   </p:cSld>
@@ -22331,7 +22771,7 @@
     </p:spTree>
     <p:extLst>
       <p:ext uri="{BB962C8B-B14F-4D97-AF65-F5344CB8AC3E}">
-        <p14:creationId xmlns="" xmlns:p14="http://schemas.microsoft.com/office/powerpoint/2010/main" val="1849832399"/>
+        <p14:creationId xmlns:p14="http://schemas.microsoft.com/office/powerpoint/2010/main" val="1849832399"/>
       </p:ext>
     </p:extLst>
   </p:cSld>
@@ -22542,7 +22982,7 @@
     </p:spTree>
     <p:extLst>
       <p:ext uri="{BB962C8B-B14F-4D97-AF65-F5344CB8AC3E}">
-        <p14:creationId xmlns="" xmlns:p14="http://schemas.microsoft.com/office/powerpoint/2010/main" val="2265735549"/>
+        <p14:creationId xmlns:p14="http://schemas.microsoft.com/office/powerpoint/2010/main" val="2265735549"/>
       </p:ext>
     </p:extLst>
   </p:cSld>
@@ -22627,11 +23067,11 @@
   <p:clrMapOvr>
     <a:masterClrMapping/>
   </p:clrMapOvr>
-  <mc:AlternateContent xmlns:mc="http://schemas.openxmlformats.org/markup-compatibility/2006">
-    <mc:Choice xmlns:p14="http://schemas.microsoft.com/office/powerpoint/2010/main" xmlns="" Requires="p14">
+  <mc:AlternateContent xmlns:mc="http://schemas.openxmlformats.org/markup-compatibility/2006" xmlns:p14="http://schemas.microsoft.com/office/powerpoint/2010/main">
+    <mc:Choice Requires="p14">
       <p:transition spd="slow" p14:dur="2000"/>
     </mc:Choice>
-    <mc:Fallback>
+    <mc:Fallback xmlns="">
       <p:transition spd="slow"/>
     </mc:Fallback>
   </mc:AlternateContent>
@@ -23039,11 +23479,11 @@
   <p:clrMapOvr>
     <a:masterClrMapping/>
   </p:clrMapOvr>
-  <mc:AlternateContent xmlns:mc="http://schemas.openxmlformats.org/markup-compatibility/2006">
-    <mc:Choice xmlns:p14="http://schemas.microsoft.com/office/powerpoint/2010/main" xmlns="" Requires="p14">
+  <mc:AlternateContent xmlns:mc="http://schemas.openxmlformats.org/markup-compatibility/2006" xmlns:p14="http://schemas.microsoft.com/office/powerpoint/2010/main">
+    <mc:Choice Requires="p14">
       <p:transition spd="slow" p14:dur="2000"/>
     </mc:Choice>
-    <mc:Fallback>
+    <mc:Fallback xmlns="">
       <p:transition spd="slow"/>
     </mc:Fallback>
   </mc:AlternateContent>
@@ -23119,18 +23559,18 @@
     </p:spTree>
     <p:extLst>
       <p:ext uri="{BB962C8B-B14F-4D97-AF65-F5344CB8AC3E}">
-        <p14:creationId xmlns:p14="http://schemas.microsoft.com/office/powerpoint/2010/main" xmlns="" val="682476833"/>
+        <p14:creationId xmlns:p14="http://schemas.microsoft.com/office/powerpoint/2010/main" val="682476833"/>
       </p:ext>
     </p:extLst>
   </p:cSld>
   <p:clrMapOvr>
     <a:masterClrMapping/>
   </p:clrMapOvr>
-  <mc:AlternateContent xmlns:mc="http://schemas.openxmlformats.org/markup-compatibility/2006">
-    <mc:Choice xmlns:p14="http://schemas.microsoft.com/office/powerpoint/2010/main" xmlns="" Requires="p14">
+  <mc:AlternateContent xmlns:mc="http://schemas.openxmlformats.org/markup-compatibility/2006" xmlns:p14="http://schemas.microsoft.com/office/powerpoint/2010/main">
+    <mc:Choice Requires="p14">
       <p:transition spd="slow" p14:dur="2000"/>
     </mc:Choice>
-    <mc:Fallback>
+    <mc:Fallback xmlns="">
       <p:transition spd="slow"/>
     </mc:Fallback>
   </mc:AlternateContent>
@@ -23272,7 +23712,7 @@
           <a:blip r:embed="rId3">
             <a:extLst>
               <a:ext uri="{28A0092B-C50C-407E-A947-70E740481C1C}">
-                <a14:useLocalDpi xmlns:a14="http://schemas.microsoft.com/office/drawing/2010/main" xmlns="" val="0"/>
+                <a14:useLocalDpi xmlns:a14="http://schemas.microsoft.com/office/drawing/2010/main" val="0"/>
               </a:ext>
             </a:extLst>
           </a:blip>
@@ -23292,7 +23732,7 @@
           <a:noFill/>
           <a:extLst>
             <a:ext uri="{909E8E84-426E-40DD-AFC4-6F175D3DCCD1}">
-              <a14:hiddenFill xmlns:a14="http://schemas.microsoft.com/office/drawing/2010/main" xmlns="">
+              <a14:hiddenFill xmlns:a14="http://schemas.microsoft.com/office/drawing/2010/main">
                 <a:solidFill>
                   <a:srgbClr val="FFFFFF"/>
                 </a:solidFill>
@@ -23304,18 +23744,18 @@
     </p:spTree>
     <p:extLst>
       <p:ext uri="{BB962C8B-B14F-4D97-AF65-F5344CB8AC3E}">
-        <p14:creationId xmlns:p14="http://schemas.microsoft.com/office/powerpoint/2010/main" xmlns="" val="4046313098"/>
+        <p14:creationId xmlns:p14="http://schemas.microsoft.com/office/powerpoint/2010/main" val="4046313098"/>
       </p:ext>
     </p:extLst>
   </p:cSld>
   <p:clrMapOvr>
     <a:masterClrMapping/>
   </p:clrMapOvr>
-  <mc:AlternateContent xmlns:mc="http://schemas.openxmlformats.org/markup-compatibility/2006">
-    <mc:Choice xmlns:p14="http://schemas.microsoft.com/office/powerpoint/2010/main" xmlns="" Requires="p14">
+  <mc:AlternateContent xmlns:mc="http://schemas.openxmlformats.org/markup-compatibility/2006" xmlns:p14="http://schemas.microsoft.com/office/powerpoint/2010/main">
+    <mc:Choice Requires="p14">
       <p:transition spd="slow" p14:dur="2000"/>
     </mc:Choice>
-    <mc:Fallback>
+    <mc:Fallback xmlns="">
       <p:transition spd="slow"/>
     </mc:Fallback>
   </mc:AlternateContent>
@@ -23511,18 +23951,18 @@
     </p:spTree>
     <p:extLst>
       <p:ext uri="{BB962C8B-B14F-4D97-AF65-F5344CB8AC3E}">
-        <p14:creationId xmlns:p14="http://schemas.microsoft.com/office/powerpoint/2010/main" xmlns="" val="3413217380"/>
+        <p14:creationId xmlns:p14="http://schemas.microsoft.com/office/powerpoint/2010/main" val="3413217380"/>
       </p:ext>
     </p:extLst>
   </p:cSld>
   <p:clrMapOvr>
     <a:masterClrMapping/>
   </p:clrMapOvr>
-  <mc:AlternateContent xmlns:mc="http://schemas.openxmlformats.org/markup-compatibility/2006">
-    <mc:Choice xmlns:p14="http://schemas.microsoft.com/office/powerpoint/2010/main" xmlns="" Requires="p14">
+  <mc:AlternateContent xmlns:mc="http://schemas.openxmlformats.org/markup-compatibility/2006" xmlns:p14="http://schemas.microsoft.com/office/powerpoint/2010/main">
+    <mc:Choice Requires="p14">
       <p:transition spd="slow" p14:dur="2000"/>
     </mc:Choice>
-    <mc:Fallback>
+    <mc:Fallback xmlns="">
       <p:transition spd="slow"/>
     </mc:Fallback>
   </mc:AlternateContent>
@@ -23598,18 +24038,18 @@
     </p:spTree>
     <p:extLst>
       <p:ext uri="{BB962C8B-B14F-4D97-AF65-F5344CB8AC3E}">
-        <p14:creationId xmlns:p14="http://schemas.microsoft.com/office/powerpoint/2010/main" xmlns="" val="1662565824"/>
+        <p14:creationId xmlns:p14="http://schemas.microsoft.com/office/powerpoint/2010/main" val="1662565824"/>
       </p:ext>
     </p:extLst>
   </p:cSld>
   <p:clrMapOvr>
     <a:masterClrMapping/>
   </p:clrMapOvr>
-  <mc:AlternateContent xmlns:mc="http://schemas.openxmlformats.org/markup-compatibility/2006">
-    <mc:Choice xmlns:p14="http://schemas.microsoft.com/office/powerpoint/2010/main" xmlns="" Requires="p14">
+  <mc:AlternateContent xmlns:mc="http://schemas.openxmlformats.org/markup-compatibility/2006" xmlns:p14="http://schemas.microsoft.com/office/powerpoint/2010/main">
+    <mc:Choice Requires="p14">
       <p:transition spd="slow" p14:dur="2000"/>
     </mc:Choice>
-    <mc:Fallback>
+    <mc:Fallback xmlns="">
       <p:transition spd="slow"/>
     </mc:Fallback>
   </mc:AlternateContent>
@@ -23796,18 +24236,18 @@
     </p:spTree>
     <p:extLst>
       <p:ext uri="{BB962C8B-B14F-4D97-AF65-F5344CB8AC3E}">
-        <p14:creationId xmlns:p14="http://schemas.microsoft.com/office/powerpoint/2010/main" xmlns="" val="280835527"/>
+        <p14:creationId xmlns:p14="http://schemas.microsoft.com/office/powerpoint/2010/main" val="280835527"/>
       </p:ext>
     </p:extLst>
   </p:cSld>
   <p:clrMapOvr>
     <a:masterClrMapping/>
   </p:clrMapOvr>
-  <mc:AlternateContent xmlns:mc="http://schemas.openxmlformats.org/markup-compatibility/2006">
-    <mc:Choice xmlns:p14="http://schemas.microsoft.com/office/powerpoint/2010/main" xmlns="" Requires="p14">
+  <mc:AlternateContent xmlns:mc="http://schemas.openxmlformats.org/markup-compatibility/2006" xmlns:p14="http://schemas.microsoft.com/office/powerpoint/2010/main">
+    <mc:Choice Requires="p14">
       <p:transition spd="slow" p14:dur="2000"/>
     </mc:Choice>
-    <mc:Fallback>
+    <mc:Fallback xmlns="">
       <p:transition spd="slow"/>
     </mc:Fallback>
   </mc:AlternateContent>
@@ -24019,18 +24459,18 @@
     </p:spTree>
     <p:extLst>
       <p:ext uri="{BB962C8B-B14F-4D97-AF65-F5344CB8AC3E}">
-        <p14:creationId xmlns:p14="http://schemas.microsoft.com/office/powerpoint/2010/main" xmlns="" val="3413217380"/>
+        <p14:creationId xmlns:p14="http://schemas.microsoft.com/office/powerpoint/2010/main" val="3413217380"/>
       </p:ext>
     </p:extLst>
   </p:cSld>
   <p:clrMapOvr>
     <a:masterClrMapping/>
   </p:clrMapOvr>
-  <mc:AlternateContent xmlns:mc="http://schemas.openxmlformats.org/markup-compatibility/2006">
-    <mc:Choice xmlns:p14="http://schemas.microsoft.com/office/powerpoint/2010/main" xmlns="" Requires="p14">
+  <mc:AlternateContent xmlns:mc="http://schemas.openxmlformats.org/markup-compatibility/2006" xmlns:p14="http://schemas.microsoft.com/office/powerpoint/2010/main">
+    <mc:Choice Requires="p14">
       <p:transition spd="slow" p14:dur="2000"/>
     </mc:Choice>
-    <mc:Fallback>
+    <mc:Fallback xmlns="">
       <p:transition spd="slow"/>
     </mc:Fallback>
   </mc:AlternateContent>
@@ -24106,18 +24546,18 @@
     </p:spTree>
     <p:extLst>
       <p:ext uri="{BB962C8B-B14F-4D97-AF65-F5344CB8AC3E}">
-        <p14:creationId xmlns:p14="http://schemas.microsoft.com/office/powerpoint/2010/main" xmlns="" val="4118962620"/>
+        <p14:creationId xmlns:p14="http://schemas.microsoft.com/office/powerpoint/2010/main" val="4118962620"/>
       </p:ext>
     </p:extLst>
   </p:cSld>
   <p:clrMapOvr>
     <a:masterClrMapping/>
   </p:clrMapOvr>
-  <mc:AlternateContent xmlns:mc="http://schemas.openxmlformats.org/markup-compatibility/2006">
-    <mc:Choice xmlns:p14="http://schemas.microsoft.com/office/powerpoint/2010/main" xmlns="" Requires="p14">
+  <mc:AlternateContent xmlns:mc="http://schemas.openxmlformats.org/markup-compatibility/2006" xmlns:p14="http://schemas.microsoft.com/office/powerpoint/2010/main">
+    <mc:Choice Requires="p14">
       <p:transition spd="slow" p14:dur="2000"/>
     </mc:Choice>
-    <mc:Fallback>
+    <mc:Fallback xmlns="">
       <p:transition spd="slow"/>
     </mc:Fallback>
   </mc:AlternateContent>
@@ -24510,11 +24950,11 @@
   <p:clrMapOvr>
     <a:masterClrMapping/>
   </p:clrMapOvr>
-  <mc:AlternateContent xmlns:mc="http://schemas.openxmlformats.org/markup-compatibility/2006">
-    <mc:Choice xmlns="" xmlns:p14="http://schemas.microsoft.com/office/powerpoint/2010/main" Requires="p14">
+  <mc:AlternateContent xmlns:mc="http://schemas.openxmlformats.org/markup-compatibility/2006" xmlns:p14="http://schemas.microsoft.com/office/powerpoint/2010/main">
+    <mc:Choice Requires="p14">
       <p:transition spd="slow" p14:dur="2000"/>
     </mc:Choice>
-    <mc:Fallback>
+    <mc:Fallback xmlns="">
       <p:transition spd="slow"/>
     </mc:Fallback>
   </mc:AlternateContent>
@@ -24708,7 +25148,7 @@
           <a:blip r:embed="rId5">
             <a:extLst>
               <a:ext uri="{28A0092B-C50C-407E-A947-70E740481C1C}">
-                <a14:useLocalDpi xmlns:a14="http://schemas.microsoft.com/office/drawing/2010/main" xmlns="" val="0"/>
+                <a14:useLocalDpi xmlns:a14="http://schemas.microsoft.com/office/drawing/2010/main" val="0"/>
               </a:ext>
             </a:extLst>
           </a:blip>
@@ -24728,7 +25168,7 @@
           <a:noFill/>
           <a:extLst>
             <a:ext uri="{909E8E84-426E-40DD-AFC4-6F175D3DCCD1}">
-              <a14:hiddenFill xmlns:a14="http://schemas.microsoft.com/office/drawing/2010/main" xmlns="">
+              <a14:hiddenFill xmlns:a14="http://schemas.microsoft.com/office/drawing/2010/main">
                 <a:solidFill>
                   <a:srgbClr val="FFFFFF"/>
                 </a:solidFill>
@@ -24815,7 +25255,7 @@
           <a:blip r:embed="rId8">
             <a:extLst>
               <a:ext uri="{28A0092B-C50C-407E-A947-70E740481C1C}">
-                <a14:useLocalDpi xmlns:a14="http://schemas.microsoft.com/office/drawing/2010/main" xmlns="" val="0"/>
+                <a14:useLocalDpi xmlns:a14="http://schemas.microsoft.com/office/drawing/2010/main" val="0"/>
               </a:ext>
             </a:extLst>
           </a:blip>
@@ -24835,7 +25275,7 @@
           <a:noFill/>
           <a:extLst>
             <a:ext uri="{909E8E84-426E-40DD-AFC4-6F175D3DCCD1}">
-              <a14:hiddenFill xmlns:a14="http://schemas.microsoft.com/office/drawing/2010/main" xmlns="">
+              <a14:hiddenFill xmlns:a14="http://schemas.microsoft.com/office/drawing/2010/main">
                 <a:solidFill>
                   <a:srgbClr val="FFFFFF"/>
                 </a:solidFill>
@@ -24847,18 +25287,18 @@
     </p:spTree>
     <p:extLst>
       <p:ext uri="{BB962C8B-B14F-4D97-AF65-F5344CB8AC3E}">
-        <p14:creationId xmlns:p14="http://schemas.microsoft.com/office/powerpoint/2010/main" xmlns="" val="2305462432"/>
+        <p14:creationId xmlns:p14="http://schemas.microsoft.com/office/powerpoint/2010/main" val="2305462432"/>
       </p:ext>
     </p:extLst>
   </p:cSld>
   <p:clrMapOvr>
     <a:masterClrMapping/>
   </p:clrMapOvr>
-  <mc:AlternateContent xmlns:mc="http://schemas.openxmlformats.org/markup-compatibility/2006">
-    <mc:Choice xmlns:p14="http://schemas.microsoft.com/office/powerpoint/2010/main" xmlns="" Requires="p14">
+  <mc:AlternateContent xmlns:mc="http://schemas.openxmlformats.org/markup-compatibility/2006" xmlns:p14="http://schemas.microsoft.com/office/powerpoint/2010/main">
+    <mc:Choice Requires="p14">
       <p:transition spd="slow" p14:dur="2000"/>
     </mc:Choice>
-    <mc:Fallback>
+    <mc:Fallback xmlns="">
       <p:transition spd="slow"/>
     </mc:Fallback>
   </mc:AlternateContent>
@@ -25080,7 +25520,7 @@
           <a:blip r:embed="rId7">
             <a:extLst>
               <a:ext uri="{28A0092B-C50C-407E-A947-70E740481C1C}">
-                <a14:useLocalDpi xmlns:a14="http://schemas.microsoft.com/office/drawing/2010/main" xmlns="" val="0"/>
+                <a14:useLocalDpi xmlns:a14="http://schemas.microsoft.com/office/drawing/2010/main" val="0"/>
               </a:ext>
             </a:extLst>
           </a:blip>
@@ -25100,7 +25540,7 @@
           <a:noFill/>
           <a:extLst>
             <a:ext uri="{909E8E84-426E-40DD-AFC4-6F175D3DCCD1}">
-              <a14:hiddenFill xmlns:a14="http://schemas.microsoft.com/office/drawing/2010/main" xmlns="">
+              <a14:hiddenFill xmlns:a14="http://schemas.microsoft.com/office/drawing/2010/main">
                 <a:solidFill>
                   <a:srgbClr val="FFFFFF"/>
                 </a:solidFill>
@@ -25121,7 +25561,7 @@
           <a:blip r:embed="rId8">
             <a:extLst>
               <a:ext uri="{28A0092B-C50C-407E-A947-70E740481C1C}">
-                <a14:useLocalDpi xmlns:a14="http://schemas.microsoft.com/office/drawing/2010/main" xmlns="" val="0"/>
+                <a14:useLocalDpi xmlns:a14="http://schemas.microsoft.com/office/drawing/2010/main" val="0"/>
               </a:ext>
             </a:extLst>
           </a:blip>
@@ -25141,7 +25581,7 @@
           <a:noFill/>
           <a:extLst>
             <a:ext uri="{909E8E84-426E-40DD-AFC4-6F175D3DCCD1}">
-              <a14:hiddenFill xmlns:a14="http://schemas.microsoft.com/office/drawing/2010/main" xmlns="">
+              <a14:hiddenFill xmlns:a14="http://schemas.microsoft.com/office/drawing/2010/main">
                 <a:solidFill>
                   <a:srgbClr val="FFFFFF"/>
                 </a:solidFill>
@@ -25153,18 +25593,18 @@
     </p:spTree>
     <p:extLst>
       <p:ext uri="{BB962C8B-B14F-4D97-AF65-F5344CB8AC3E}">
-        <p14:creationId xmlns:p14="http://schemas.microsoft.com/office/powerpoint/2010/main" xmlns="" val="3055765978"/>
+        <p14:creationId xmlns:p14="http://schemas.microsoft.com/office/powerpoint/2010/main" val="3055765978"/>
       </p:ext>
     </p:extLst>
   </p:cSld>
   <p:clrMapOvr>
     <a:masterClrMapping/>
   </p:clrMapOvr>
-  <mc:AlternateContent xmlns:mc="http://schemas.openxmlformats.org/markup-compatibility/2006">
-    <mc:Choice xmlns:p14="http://schemas.microsoft.com/office/powerpoint/2010/main" xmlns="" Requires="p14">
+  <mc:AlternateContent xmlns:mc="http://schemas.openxmlformats.org/markup-compatibility/2006" xmlns:p14="http://schemas.microsoft.com/office/powerpoint/2010/main">
+    <mc:Choice Requires="p14">
       <p:transition spd="slow" p14:dur="2000"/>
     </mc:Choice>
-    <mc:Fallback>
+    <mc:Fallback xmlns="">
       <p:transition spd="slow"/>
     </mc:Fallback>
   </mc:AlternateContent>
@@ -25232,18 +25672,18 @@
     </p:spTree>
     <p:extLst>
       <p:ext uri="{BB962C8B-B14F-4D97-AF65-F5344CB8AC3E}">
-        <p14:creationId xmlns:p14="http://schemas.microsoft.com/office/powerpoint/2010/main" xmlns="" val="2409115406"/>
+        <p14:creationId xmlns:p14="http://schemas.microsoft.com/office/powerpoint/2010/main" val="2409115406"/>
       </p:ext>
     </p:extLst>
   </p:cSld>
   <p:clrMapOvr>
     <a:masterClrMapping/>
   </p:clrMapOvr>
-  <mc:AlternateContent xmlns:mc="http://schemas.openxmlformats.org/markup-compatibility/2006">
-    <mc:Choice xmlns:p14="http://schemas.microsoft.com/office/powerpoint/2010/main" xmlns="" Requires="p14">
+  <mc:AlternateContent xmlns:mc="http://schemas.openxmlformats.org/markup-compatibility/2006" xmlns:p14="http://schemas.microsoft.com/office/powerpoint/2010/main">
+    <mc:Choice Requires="p14">
       <p:transition spd="slow" p14:dur="2000"/>
     </mc:Choice>
-    <mc:Fallback>
+    <mc:Fallback xmlns="">
       <p:transition spd="slow"/>
     </mc:Fallback>
   </mc:AlternateContent>
@@ -25549,7 +25989,7 @@
           <a:blip r:embed="rId5">
             <a:extLst>
               <a:ext uri="{28A0092B-C50C-407E-A947-70E740481C1C}">
-                <a14:useLocalDpi xmlns:a14="http://schemas.microsoft.com/office/drawing/2010/main" xmlns="" val="0"/>
+                <a14:useLocalDpi xmlns:a14="http://schemas.microsoft.com/office/drawing/2010/main" val="0"/>
               </a:ext>
             </a:extLst>
           </a:blip>
@@ -25569,7 +26009,7 @@
           <a:noFill/>
           <a:extLst>
             <a:ext uri="{909E8E84-426E-40DD-AFC4-6F175D3DCCD1}">
-              <a14:hiddenFill xmlns:a14="http://schemas.microsoft.com/office/drawing/2010/main" xmlns="">
+              <a14:hiddenFill xmlns:a14="http://schemas.microsoft.com/office/drawing/2010/main">
                 <a:solidFill>
                   <a:srgbClr val="FFFFFF"/>
                 </a:solidFill>
@@ -25581,18 +26021,18 @@
     </p:spTree>
     <p:extLst>
       <p:ext uri="{BB962C8B-B14F-4D97-AF65-F5344CB8AC3E}">
-        <p14:creationId xmlns:p14="http://schemas.microsoft.com/office/powerpoint/2010/main" xmlns="" val="212902253"/>
+        <p14:creationId xmlns:p14="http://schemas.microsoft.com/office/powerpoint/2010/main" val="212902253"/>
       </p:ext>
     </p:extLst>
   </p:cSld>
   <p:clrMapOvr>
     <a:masterClrMapping/>
   </p:clrMapOvr>
-  <mc:AlternateContent xmlns:mc="http://schemas.openxmlformats.org/markup-compatibility/2006">
-    <mc:Choice xmlns:p14="http://schemas.microsoft.com/office/powerpoint/2010/main" xmlns="" Requires="p14">
+  <mc:AlternateContent xmlns:mc="http://schemas.openxmlformats.org/markup-compatibility/2006" xmlns:p14="http://schemas.microsoft.com/office/powerpoint/2010/main">
+    <mc:Choice Requires="p14">
       <p:transition spd="slow" p14:dur="2000"/>
     </mc:Choice>
-    <mc:Fallback>
+    <mc:Fallback xmlns="">
       <p:transition spd="slow"/>
     </mc:Fallback>
   </mc:AlternateContent>
@@ -25900,18 +26340,18 @@
     </p:spTree>
     <p:extLst>
       <p:ext uri="{BB962C8B-B14F-4D97-AF65-F5344CB8AC3E}">
-        <p14:creationId xmlns:p14="http://schemas.microsoft.com/office/powerpoint/2010/main" xmlns="" val="1643307161"/>
+        <p14:creationId xmlns:p14="http://schemas.microsoft.com/office/powerpoint/2010/main" val="1643307161"/>
       </p:ext>
     </p:extLst>
   </p:cSld>
   <p:clrMapOvr>
     <a:masterClrMapping/>
   </p:clrMapOvr>
-  <mc:AlternateContent xmlns:mc="http://schemas.openxmlformats.org/markup-compatibility/2006">
-    <mc:Choice xmlns:p14="http://schemas.microsoft.com/office/powerpoint/2010/main" xmlns="" Requires="p14">
+  <mc:AlternateContent xmlns:mc="http://schemas.openxmlformats.org/markup-compatibility/2006" xmlns:p14="http://schemas.microsoft.com/office/powerpoint/2010/main">
+    <mc:Choice Requires="p14">
       <p:transition spd="slow" p14:dur="2000"/>
     </mc:Choice>
-    <mc:Fallback>
+    <mc:Fallback xmlns="">
       <p:transition spd="slow"/>
     </mc:Fallback>
   </mc:AlternateContent>
@@ -25979,18 +26419,18 @@
     </p:spTree>
     <p:extLst>
       <p:ext uri="{BB962C8B-B14F-4D97-AF65-F5344CB8AC3E}">
-        <p14:creationId xmlns:p14="http://schemas.microsoft.com/office/powerpoint/2010/main" xmlns="" val="3680781265"/>
+        <p14:creationId xmlns:p14="http://schemas.microsoft.com/office/powerpoint/2010/main" val="3680781265"/>
       </p:ext>
     </p:extLst>
   </p:cSld>
   <p:clrMapOvr>
     <a:masterClrMapping/>
   </p:clrMapOvr>
-  <mc:AlternateContent xmlns:mc="http://schemas.openxmlformats.org/markup-compatibility/2006">
-    <mc:Choice xmlns:p14="http://schemas.microsoft.com/office/powerpoint/2010/main" xmlns="" Requires="p14">
+  <mc:AlternateContent xmlns:mc="http://schemas.openxmlformats.org/markup-compatibility/2006" xmlns:p14="http://schemas.microsoft.com/office/powerpoint/2010/main">
+    <mc:Choice Requires="p14">
       <p:transition spd="slow" p14:dur="2000"/>
     </mc:Choice>
-    <mc:Fallback>
+    <mc:Fallback xmlns="">
       <p:transition spd="slow"/>
     </mc:Fallback>
   </mc:AlternateContent>
@@ -26246,7 +26686,7 @@
           <a:blip r:embed="rId6">
             <a:extLst>
               <a:ext uri="{28A0092B-C50C-407E-A947-70E740481C1C}">
-                <a14:useLocalDpi xmlns:a14="http://schemas.microsoft.com/office/drawing/2010/main" xmlns="" val="0"/>
+                <a14:useLocalDpi xmlns:a14="http://schemas.microsoft.com/office/drawing/2010/main" val="0"/>
               </a:ext>
             </a:extLst>
           </a:blip>
@@ -26266,7 +26706,7 @@
           <a:noFill/>
           <a:extLst>
             <a:ext uri="{909E8E84-426E-40DD-AFC4-6F175D3DCCD1}">
-              <a14:hiddenFill xmlns:a14="http://schemas.microsoft.com/office/drawing/2010/main" xmlns="">
+              <a14:hiddenFill xmlns:a14="http://schemas.microsoft.com/office/drawing/2010/main">
                 <a:solidFill>
                   <a:srgbClr val="FFFFFF"/>
                 </a:solidFill>
@@ -26278,18 +26718,18 @@
     </p:spTree>
     <p:extLst>
       <p:ext uri="{BB962C8B-B14F-4D97-AF65-F5344CB8AC3E}">
-        <p14:creationId xmlns:p14="http://schemas.microsoft.com/office/powerpoint/2010/main" xmlns="" val="2592654393"/>
+        <p14:creationId xmlns:p14="http://schemas.microsoft.com/office/powerpoint/2010/main" val="2592654393"/>
       </p:ext>
     </p:extLst>
   </p:cSld>
   <p:clrMapOvr>
     <a:masterClrMapping/>
   </p:clrMapOvr>
-  <mc:AlternateContent xmlns:mc="http://schemas.openxmlformats.org/markup-compatibility/2006">
-    <mc:Choice xmlns:p14="http://schemas.microsoft.com/office/powerpoint/2010/main" xmlns="" Requires="p14">
+  <mc:AlternateContent xmlns:mc="http://schemas.openxmlformats.org/markup-compatibility/2006" xmlns:p14="http://schemas.microsoft.com/office/powerpoint/2010/main">
+    <mc:Choice Requires="p14">
       <p:transition spd="slow" p14:dur="2000"/>
     </mc:Choice>
-    <mc:Fallback>
+    <mc:Fallback xmlns="">
       <p:transition spd="slow"/>
     </mc:Fallback>
   </mc:AlternateContent>
@@ -26357,18 +26797,18 @@
     </p:spTree>
     <p:extLst>
       <p:ext uri="{BB962C8B-B14F-4D97-AF65-F5344CB8AC3E}">
-        <p14:creationId xmlns:p14="http://schemas.microsoft.com/office/powerpoint/2010/main" xmlns="" val="3068637521"/>
+        <p14:creationId xmlns:p14="http://schemas.microsoft.com/office/powerpoint/2010/main" val="3068637521"/>
       </p:ext>
     </p:extLst>
   </p:cSld>
   <p:clrMapOvr>
     <a:masterClrMapping/>
   </p:clrMapOvr>
-  <mc:AlternateContent xmlns:mc="http://schemas.openxmlformats.org/markup-compatibility/2006">
-    <mc:Choice xmlns:p14="http://schemas.microsoft.com/office/powerpoint/2010/main" xmlns="" Requires="p14">
+  <mc:AlternateContent xmlns:mc="http://schemas.openxmlformats.org/markup-compatibility/2006" xmlns:p14="http://schemas.microsoft.com/office/powerpoint/2010/main">
+    <mc:Choice Requires="p14">
       <p:transition spd="slow" p14:dur="2000"/>
     </mc:Choice>
-    <mc:Fallback>
+    <mc:Fallback xmlns="">
       <p:transition spd="slow"/>
     </mc:Fallback>
   </mc:AlternateContent>
@@ -26520,18 +26960,18 @@
     </p:spTree>
     <p:extLst>
       <p:ext uri="{BB962C8B-B14F-4D97-AF65-F5344CB8AC3E}">
-        <p14:creationId xmlns:p14="http://schemas.microsoft.com/office/powerpoint/2010/main" xmlns="" val="2286364354"/>
+        <p14:creationId xmlns:p14="http://schemas.microsoft.com/office/powerpoint/2010/main" val="2286364354"/>
       </p:ext>
     </p:extLst>
   </p:cSld>
   <p:clrMapOvr>
     <a:masterClrMapping/>
   </p:clrMapOvr>
-  <mc:AlternateContent xmlns:mc="http://schemas.openxmlformats.org/markup-compatibility/2006">
-    <mc:Choice xmlns:p14="http://schemas.microsoft.com/office/powerpoint/2010/main" xmlns="" Requires="p14">
+  <mc:AlternateContent xmlns:mc="http://schemas.openxmlformats.org/markup-compatibility/2006" xmlns:p14="http://schemas.microsoft.com/office/powerpoint/2010/main">
+    <mc:Choice Requires="p14">
       <p:transition spd="slow" p14:dur="2000"/>
     </mc:Choice>
-    <mc:Fallback>
+    <mc:Fallback xmlns="">
       <p:transition spd="slow"/>
     </mc:Fallback>
   </mc:AlternateContent>
@@ -26761,18 +27201,18 @@
     </p:spTree>
     <p:extLst>
       <p:ext uri="{BB962C8B-B14F-4D97-AF65-F5344CB8AC3E}">
-        <p14:creationId xmlns:p14="http://schemas.microsoft.com/office/powerpoint/2010/main" xmlns="" val="3413217380"/>
+        <p14:creationId xmlns:p14="http://schemas.microsoft.com/office/powerpoint/2010/main" val="3413217380"/>
       </p:ext>
     </p:extLst>
   </p:cSld>
   <p:clrMapOvr>
     <a:masterClrMapping/>
   </p:clrMapOvr>
-  <mc:AlternateContent xmlns:mc="http://schemas.openxmlformats.org/markup-compatibility/2006">
-    <mc:Choice xmlns:p14="http://schemas.microsoft.com/office/powerpoint/2010/main" xmlns="" Requires="p14">
+  <mc:AlternateContent xmlns:mc="http://schemas.openxmlformats.org/markup-compatibility/2006" xmlns:p14="http://schemas.microsoft.com/office/powerpoint/2010/main">
+    <mc:Choice Requires="p14">
       <p:transition spd="slow" p14:dur="2000"/>
     </mc:Choice>
-    <mc:Fallback>
+    <mc:Fallback xmlns="">
       <p:transition spd="slow"/>
     </mc:Fallback>
   </mc:AlternateContent>
@@ -27301,18 +27741,18 @@
     </p:spTree>
     <p:extLst>
       <p:ext uri="{BB962C8B-B14F-4D97-AF65-F5344CB8AC3E}">
-        <p14:creationId xmlns:p14="http://schemas.microsoft.com/office/powerpoint/2010/main" xmlns="" val="2759801090"/>
+        <p14:creationId xmlns:p14="http://schemas.microsoft.com/office/powerpoint/2010/main" val="2759801090"/>
       </p:ext>
     </p:extLst>
   </p:cSld>
   <p:clrMapOvr>
     <a:masterClrMapping/>
   </p:clrMapOvr>
-  <mc:AlternateContent xmlns:mc="http://schemas.openxmlformats.org/markup-compatibility/2006">
-    <mc:Choice xmlns:p14="http://schemas.microsoft.com/office/powerpoint/2010/main" xmlns="" Requires="p14">
+  <mc:AlternateContent xmlns:mc="http://schemas.openxmlformats.org/markup-compatibility/2006" xmlns:p14="http://schemas.microsoft.com/office/powerpoint/2010/main">
+    <mc:Choice Requires="p14">
       <p:transition spd="slow" p14:dur="2000"/>
     </mc:Choice>
-    <mc:Fallback>
+    <mc:Fallback xmlns="">
       <p:transition spd="slow"/>
     </mc:Fallback>
   </mc:AlternateContent>
@@ -27489,18 +27929,18 @@
     </p:spTree>
     <p:extLst>
       <p:ext uri="{BB962C8B-B14F-4D97-AF65-F5344CB8AC3E}">
-        <p14:creationId xmlns:p14="http://schemas.microsoft.com/office/powerpoint/2010/main" xmlns="" val="2868777987"/>
+        <p14:creationId xmlns:p14="http://schemas.microsoft.com/office/powerpoint/2010/main" val="2868777987"/>
       </p:ext>
     </p:extLst>
   </p:cSld>
   <p:clrMapOvr>
     <a:masterClrMapping/>
   </p:clrMapOvr>
-  <mc:AlternateContent xmlns:mc="http://schemas.openxmlformats.org/markup-compatibility/2006">
-    <mc:Choice xmlns:p14="http://schemas.microsoft.com/office/powerpoint/2010/main" xmlns="" Requires="p14">
+  <mc:AlternateContent xmlns:mc="http://schemas.openxmlformats.org/markup-compatibility/2006" xmlns:p14="http://schemas.microsoft.com/office/powerpoint/2010/main">
+    <mc:Choice Requires="p14">
       <p:transition spd="slow" p14:dur="2000"/>
     </mc:Choice>
-    <mc:Fallback>
+    <mc:Fallback xmlns="">
       <p:transition spd="slow"/>
     </mc:Fallback>
   </mc:AlternateContent>
@@ -27568,18 +28008,18 @@
     </p:spTree>
     <p:extLst>
       <p:ext uri="{BB962C8B-B14F-4D97-AF65-F5344CB8AC3E}">
-        <p14:creationId xmlns:p14="http://schemas.microsoft.com/office/powerpoint/2010/main" xmlns="" val="1261440625"/>
+        <p14:creationId xmlns:p14="http://schemas.microsoft.com/office/powerpoint/2010/main" val="1261440625"/>
       </p:ext>
     </p:extLst>
   </p:cSld>
   <p:clrMapOvr>
     <a:masterClrMapping/>
   </p:clrMapOvr>
-  <mc:AlternateContent xmlns:mc="http://schemas.openxmlformats.org/markup-compatibility/2006">
-    <mc:Choice xmlns:p14="http://schemas.microsoft.com/office/powerpoint/2010/main" xmlns="" Requires="p14">
+  <mc:AlternateContent xmlns:mc="http://schemas.openxmlformats.org/markup-compatibility/2006" xmlns:p14="http://schemas.microsoft.com/office/powerpoint/2010/main">
+    <mc:Choice Requires="p14">
       <p:transition spd="slow" p14:dur="2000"/>
     </mc:Choice>
-    <mc:Fallback>
+    <mc:Fallback xmlns="">
       <p:transition spd="slow"/>
     </mc:Fallback>
   </mc:AlternateContent>
@@ -28237,18 +28677,18 @@
     </p:spTree>
     <p:extLst>
       <p:ext uri="{BB962C8B-B14F-4D97-AF65-F5344CB8AC3E}">
-        <p14:creationId xmlns:p14="http://schemas.microsoft.com/office/powerpoint/2010/main" xmlns="" val="3965022812"/>
+        <p14:creationId xmlns:p14="http://schemas.microsoft.com/office/powerpoint/2010/main" val="3965022812"/>
       </p:ext>
     </p:extLst>
   </p:cSld>
   <p:clrMapOvr>
     <a:masterClrMapping/>
   </p:clrMapOvr>
-  <mc:AlternateContent xmlns:mc="http://schemas.openxmlformats.org/markup-compatibility/2006">
-    <mc:Choice xmlns:p14="http://schemas.microsoft.com/office/powerpoint/2010/main" xmlns="" Requires="p14">
+  <mc:AlternateContent xmlns:mc="http://schemas.openxmlformats.org/markup-compatibility/2006" xmlns:p14="http://schemas.microsoft.com/office/powerpoint/2010/main">
+    <mc:Choice Requires="p14">
       <p:transition spd="slow" p14:dur="2000"/>
     </mc:Choice>
-    <mc:Fallback>
+    <mc:Fallback xmlns="">
       <p:transition spd="slow"/>
     </mc:Fallback>
   </mc:AlternateContent>
@@ -28378,7 +28818,7 @@
           <a:blip r:embed="rId3">
             <a:extLst>
               <a:ext uri="{28A0092B-C50C-407E-A947-70E740481C1C}">
-                <a14:useLocalDpi xmlns:a14="http://schemas.microsoft.com/office/drawing/2010/main" xmlns="" val="0"/>
+                <a14:useLocalDpi xmlns:a14="http://schemas.microsoft.com/office/drawing/2010/main" val="0"/>
               </a:ext>
             </a:extLst>
           </a:blip>
@@ -28398,7 +28838,7 @@
           <a:noFill/>
           <a:extLst>
             <a:ext uri="{909E8E84-426E-40DD-AFC4-6F175D3DCCD1}">
-              <a14:hiddenFill xmlns:a14="http://schemas.microsoft.com/office/drawing/2010/main" xmlns="">
+              <a14:hiddenFill xmlns:a14="http://schemas.microsoft.com/office/drawing/2010/main">
                 <a:solidFill>
                   <a:srgbClr val="FFFFFF"/>
                 </a:solidFill>
@@ -28410,18 +28850,18 @@
     </p:spTree>
     <p:extLst>
       <p:ext uri="{BB962C8B-B14F-4D97-AF65-F5344CB8AC3E}">
-        <p14:creationId xmlns:p14="http://schemas.microsoft.com/office/powerpoint/2010/main" xmlns="" val="4207692567"/>
+        <p14:creationId xmlns:p14="http://schemas.microsoft.com/office/powerpoint/2010/main" val="4207692567"/>
       </p:ext>
     </p:extLst>
   </p:cSld>
   <p:clrMapOvr>
     <a:masterClrMapping/>
   </p:clrMapOvr>
-  <mc:AlternateContent xmlns:mc="http://schemas.openxmlformats.org/markup-compatibility/2006">
-    <mc:Choice xmlns:p14="http://schemas.microsoft.com/office/powerpoint/2010/main" xmlns="" Requires="p14">
+  <mc:AlternateContent xmlns:mc="http://schemas.openxmlformats.org/markup-compatibility/2006" xmlns:p14="http://schemas.microsoft.com/office/powerpoint/2010/main">
+    <mc:Choice Requires="p14">
       <p:transition spd="slow" p14:dur="2000"/>
     </mc:Choice>
-    <mc:Fallback>
+    <mc:Fallback xmlns="">
       <p:transition spd="slow"/>
     </mc:Fallback>
   </mc:AlternateContent>
@@ -28489,18 +28929,18 @@
     </p:spTree>
     <p:extLst>
       <p:ext uri="{BB962C8B-B14F-4D97-AF65-F5344CB8AC3E}">
-        <p14:creationId xmlns:p14="http://schemas.microsoft.com/office/powerpoint/2010/main" xmlns="" val="2230076095"/>
+        <p14:creationId xmlns:p14="http://schemas.microsoft.com/office/powerpoint/2010/main" val="2230076095"/>
       </p:ext>
     </p:extLst>
   </p:cSld>
   <p:clrMapOvr>
     <a:masterClrMapping/>
   </p:clrMapOvr>
-  <mc:AlternateContent xmlns:mc="http://schemas.openxmlformats.org/markup-compatibility/2006">
-    <mc:Choice xmlns:p14="http://schemas.microsoft.com/office/powerpoint/2010/main" xmlns="" Requires="p14">
+  <mc:AlternateContent xmlns:mc="http://schemas.openxmlformats.org/markup-compatibility/2006" xmlns:p14="http://schemas.microsoft.com/office/powerpoint/2010/main">
+    <mc:Choice Requires="p14">
       <p:transition spd="slow" p14:dur="2000"/>
     </mc:Choice>
-    <mc:Fallback>
+    <mc:Fallback xmlns="">
       <p:transition spd="slow"/>
     </mc:Fallback>
   </mc:AlternateContent>
@@ -28620,7 +29060,7 @@
           <a:blip r:embed="rId3">
             <a:extLst>
               <a:ext uri="{28A0092B-C50C-407E-A947-70E740481C1C}">
-                <a14:useLocalDpi xmlns:a14="http://schemas.microsoft.com/office/drawing/2010/main" xmlns="" val="0"/>
+                <a14:useLocalDpi xmlns:a14="http://schemas.microsoft.com/office/drawing/2010/main" val="0"/>
               </a:ext>
             </a:extLst>
           </a:blip>
@@ -28640,7 +29080,7 @@
           <a:noFill/>
           <a:extLst>
             <a:ext uri="{909E8E84-426E-40DD-AFC4-6F175D3DCCD1}">
-              <a14:hiddenFill xmlns:a14="http://schemas.microsoft.com/office/drawing/2010/main" xmlns="">
+              <a14:hiddenFill xmlns:a14="http://schemas.microsoft.com/office/drawing/2010/main">
                 <a:solidFill>
                   <a:srgbClr val="FFFFFF"/>
                 </a:solidFill>
@@ -28652,18 +29092,18 @@
     </p:spTree>
     <p:extLst>
       <p:ext uri="{BB962C8B-B14F-4D97-AF65-F5344CB8AC3E}">
-        <p14:creationId xmlns:p14="http://schemas.microsoft.com/office/powerpoint/2010/main" xmlns="" val="3775352260"/>
+        <p14:creationId xmlns:p14="http://schemas.microsoft.com/office/powerpoint/2010/main" val="3775352260"/>
       </p:ext>
     </p:extLst>
   </p:cSld>
   <p:clrMapOvr>
     <a:masterClrMapping/>
   </p:clrMapOvr>
-  <mc:AlternateContent xmlns:mc="http://schemas.openxmlformats.org/markup-compatibility/2006">
-    <mc:Choice xmlns:p14="http://schemas.microsoft.com/office/powerpoint/2010/main" xmlns="" Requires="p14">
+  <mc:AlternateContent xmlns:mc="http://schemas.openxmlformats.org/markup-compatibility/2006" xmlns:p14="http://schemas.microsoft.com/office/powerpoint/2010/main">
+    <mc:Choice Requires="p14">
       <p:transition spd="slow" p14:dur="2000"/>
     </mc:Choice>
-    <mc:Fallback>
+    <mc:Fallback xmlns="">
       <p:transition spd="slow"/>
     </mc:Fallback>
   </mc:AlternateContent>
@@ -28829,18 +29269,18 @@
     </p:spTree>
     <p:extLst>
       <p:ext uri="{BB962C8B-B14F-4D97-AF65-F5344CB8AC3E}">
-        <p14:creationId xmlns:p14="http://schemas.microsoft.com/office/powerpoint/2010/main" xmlns="" val="3775352260"/>
+        <p14:creationId xmlns:p14="http://schemas.microsoft.com/office/powerpoint/2010/main" val="3775352260"/>
       </p:ext>
     </p:extLst>
   </p:cSld>
   <p:clrMapOvr>
     <a:masterClrMapping/>
   </p:clrMapOvr>
-  <mc:AlternateContent xmlns:mc="http://schemas.openxmlformats.org/markup-compatibility/2006">
-    <mc:Choice xmlns:p14="http://schemas.microsoft.com/office/powerpoint/2010/main" xmlns="" Requires="p14">
+  <mc:AlternateContent xmlns:mc="http://schemas.openxmlformats.org/markup-compatibility/2006" xmlns:p14="http://schemas.microsoft.com/office/powerpoint/2010/main">
+    <mc:Choice Requires="p14">
       <p:transition spd="slow" p14:dur="2000"/>
     </mc:Choice>
-    <mc:Fallback>
+    <mc:Fallback xmlns="">
       <p:transition spd="slow"/>
     </mc:Fallback>
   </mc:AlternateContent>
@@ -29158,18 +29598,18 @@
     </p:spTree>
     <p:extLst>
       <p:ext uri="{BB962C8B-B14F-4D97-AF65-F5344CB8AC3E}">
-        <p14:creationId xmlns:p14="http://schemas.microsoft.com/office/powerpoint/2010/main" xmlns="" val="1674554651"/>
+        <p14:creationId xmlns:p14="http://schemas.microsoft.com/office/powerpoint/2010/main" val="1674554651"/>
       </p:ext>
     </p:extLst>
   </p:cSld>
   <p:clrMapOvr>
     <a:masterClrMapping/>
   </p:clrMapOvr>
-  <mc:AlternateContent xmlns:mc="http://schemas.openxmlformats.org/markup-compatibility/2006">
-    <mc:Choice xmlns:p14="http://schemas.microsoft.com/office/powerpoint/2010/main" xmlns="" Requires="p14">
+  <mc:AlternateContent xmlns:mc="http://schemas.openxmlformats.org/markup-compatibility/2006" xmlns:p14="http://schemas.microsoft.com/office/powerpoint/2010/main">
+    <mc:Choice Requires="p14">
       <p:transition spd="slow" p14:dur="2000"/>
     </mc:Choice>
-    <mc:Fallback>
+    <mc:Fallback xmlns="">
       <p:transition spd="slow"/>
     </mc:Fallback>
   </mc:AlternateContent>
@@ -29332,7 +29772,7 @@
           <p:nvPr>
             <p:extLst>
               <p:ext uri="{D42A27DB-BD31-4B8C-83A1-F6EECF244321}">
-                <p14:modId xmlns="" xmlns:p14="http://schemas.microsoft.com/office/powerpoint/2010/main" val="3780615979"/>
+                <p14:modId xmlns:p14="http://schemas.microsoft.com/office/powerpoint/2010/main" val="3780615979"/>
               </p:ext>
             </p:extLst>
           </p:nvPr>
@@ -29352,14 +29792,14 @@
                 <a:gridCol w="489425">
                   <a:extLst>
                     <a:ext uri="{9D8B030D-6E8A-4147-A177-3AD203B41FA5}">
-                      <a16:colId xmlns="" xmlns:a16="http://schemas.microsoft.com/office/drawing/2014/main" val="20000"/>
+                      <a16:colId xmlns:a16="http://schemas.microsoft.com/office/drawing/2014/main" val="20000"/>
                     </a:ext>
                   </a:extLst>
                 </a:gridCol>
                 <a:gridCol w="6749575">
                   <a:extLst>
                     <a:ext uri="{9D8B030D-6E8A-4147-A177-3AD203B41FA5}">
-                      <a16:colId xmlns="" xmlns:a16="http://schemas.microsoft.com/office/drawing/2014/main" val="20001"/>
+                      <a16:colId xmlns:a16="http://schemas.microsoft.com/office/drawing/2014/main" val="20001"/>
                     </a:ext>
                   </a:extLst>
                 </a:gridCol>
@@ -29560,7 +30000,7 @@
                 </a:tc>
                 <a:extLst>
                   <a:ext uri="{0D108BD9-81ED-4DB2-BD59-A6C34878D82A}">
-                    <a16:rowId xmlns="" xmlns:a16="http://schemas.microsoft.com/office/drawing/2014/main" val="10000"/>
+                    <a16:rowId xmlns:a16="http://schemas.microsoft.com/office/drawing/2014/main" val="10000"/>
                   </a:ext>
                 </a:extLst>
               </a:tr>
@@ -29780,7 +30220,7 @@
                 </a:tc>
                 <a:extLst>
                   <a:ext uri="{0D108BD9-81ED-4DB2-BD59-A6C34878D82A}">
-                    <a16:rowId xmlns="" xmlns:a16="http://schemas.microsoft.com/office/drawing/2014/main" val="10001"/>
+                    <a16:rowId xmlns:a16="http://schemas.microsoft.com/office/drawing/2014/main" val="10001"/>
                   </a:ext>
                 </a:extLst>
               </a:tr>
@@ -30015,7 +30455,7 @@
                 </a:tc>
                 <a:extLst>
                   <a:ext uri="{0D108BD9-81ED-4DB2-BD59-A6C34878D82A}">
-                    <a16:rowId xmlns="" xmlns:a16="http://schemas.microsoft.com/office/drawing/2014/main" val="10002"/>
+                    <a16:rowId xmlns:a16="http://schemas.microsoft.com/office/drawing/2014/main" val="10002"/>
                   </a:ext>
                 </a:extLst>
               </a:tr>
@@ -30055,11 +30495,11 @@
   <p:clrMapOvr>
     <a:masterClrMapping/>
   </p:clrMapOvr>
-  <mc:AlternateContent xmlns:mc="http://schemas.openxmlformats.org/markup-compatibility/2006">
-    <mc:Choice xmlns="" xmlns:p14="http://schemas.microsoft.com/office/powerpoint/2010/main" Requires="p14">
+  <mc:AlternateContent xmlns:mc="http://schemas.openxmlformats.org/markup-compatibility/2006" xmlns:p14="http://schemas.microsoft.com/office/powerpoint/2010/main">
+    <mc:Choice Requires="p14">
       <p:transition spd="slow" p14:dur="2000"/>
     </mc:Choice>
-    <mc:Fallback>
+    <mc:Fallback xmlns="">
       <p:transition spd="slow"/>
     </mc:Fallback>
   </mc:AlternateContent>
@@ -30496,17 +30936,8 @@
             </a:r>
             <a:r>
               <a:rPr lang="ru-RU" dirty="0" smtClean="0"/>
-              <a:t>получат первое </a:t>
-            </a:r>
-            <a:r>
-              <a:rPr lang="ru-RU" dirty="0" smtClean="0"/>
-              <a:t>вычисляемое</a:t>
-            </a:r>
-            <a:r>
-              <a:rPr lang="ru-RU" dirty="0" smtClean="0"/>
-              <a:t> значение.</a:t>
-            </a:r>
-            <a:endParaRPr lang="ru-RU" dirty="0" smtClean="0"/>
+              <a:t>получат первое вычисляемое значение.</a:t>
+            </a:r>
           </a:p>
           <a:p>
             <a:endParaRPr lang="ru-RU" dirty="0" smtClean="0"/>
@@ -30540,17 +30971,8 @@
             </a:r>
             <a:r>
               <a:rPr lang="ru-RU" dirty="0" smtClean="0"/>
-              <a:t>получат </a:t>
-            </a:r>
-            <a:r>
-              <a:rPr lang="ru-RU" dirty="0" smtClean="0"/>
-              <a:t>последнее вычисляемое значение</a:t>
-            </a:r>
-            <a:r>
-              <a:rPr lang="ru-RU" dirty="0" smtClean="0"/>
-              <a:t>. </a:t>
-            </a:r>
-            <a:endParaRPr lang="ru-RU" dirty="0" smtClean="0"/>
+              <a:t>получат последнее вычисляемое значение. </a:t>
+            </a:r>
           </a:p>
           <a:p>
             <a:endParaRPr lang="ru-RU" dirty="0" smtClean="0"/>
@@ -30616,7 +31038,6 @@
               <a:rPr lang="ru-RU" dirty="0" smtClean="0"/>
               <a:t>получает значение по индексу. </a:t>
             </a:r>
-            <a:endParaRPr lang="ru-RU" dirty="0" smtClean="0"/>
           </a:p>
           <a:p>
             <a:endParaRPr lang="ru-RU" dirty="0" smtClean="0"/>
@@ -30640,6 +31061,520 @@
 </file>
 
 <file path=ppt/slides/slide63.xml><?xml version="1.0" encoding="utf-8"?>
+<p:sld xmlns:a="http://schemas.openxmlformats.org/drawingml/2006/main" xmlns:r="http://schemas.openxmlformats.org/officeDocument/2006/relationships" xmlns:p="http://schemas.openxmlformats.org/presentationml/2006/main" show="0">
+  <p:cSld>
+    <p:spTree>
+      <p:nvGrpSpPr>
+        <p:cNvPr id="1" name="Shape 453"/>
+        <p:cNvGrpSpPr/>
+        <p:nvPr/>
+      </p:nvGrpSpPr>
+      <p:grpSpPr>
+        <a:xfrm>
+          <a:off x="0" y="0"/>
+          <a:ext cx="0" cy="0"/>
+          <a:chOff x="0" y="0"/>
+          <a:chExt cx="0" cy="0"/>
+        </a:xfrm>
+      </p:grpSpPr>
+      <p:sp>
+        <p:nvSpPr>
+          <p:cNvPr id="454" name="Google Shape;454;p77"/>
+          <p:cNvSpPr txBox="1">
+            <a:spLocks noGrp="1"/>
+          </p:cNvSpPr>
+          <p:nvPr>
+            <p:ph type="title"/>
+          </p:nvPr>
+        </p:nvSpPr>
+        <p:spPr>
+          <a:xfrm>
+            <a:off x="956225" y="396400"/>
+            <a:ext cx="7492036" cy="4090800"/>
+          </a:xfrm>
+          <a:prstGeom prst="rect">
+            <a:avLst/>
+          </a:prstGeom>
+        </p:spPr>
+        <p:txBody>
+          <a:bodyPr spcFirstLastPara="1" wrap="square" lIns="91425" tIns="91425" rIns="91425" bIns="91425" anchor="ctr" anchorCtr="0">
+            <a:noAutofit/>
+          </a:bodyPr>
+          <a:lstStyle/>
+          <a:p>
+            <a:pPr marL="0" lvl="0" indent="0" algn="ctr" rtl="0">
+              <a:lnSpc>
+                <a:spcPct val="90000"/>
+              </a:lnSpc>
+              <a:spcBef>
+                <a:spcPts val="0"/>
+              </a:spcBef>
+              <a:spcAft>
+                <a:spcPts val="0"/>
+              </a:spcAft>
+              <a:buClr>
+                <a:schemeClr val="dk1"/>
+              </a:buClr>
+              <a:buSzPts val="3000"/>
+              <a:buFont typeface="Avenir"/>
+              <a:buNone/>
+            </a:pPr>
+            <a:r>
+              <a:rPr lang="ru-RU" sz="4800" dirty="0" smtClean="0"/>
+              <a:t>Компараторы</a:t>
+            </a:r>
+            <a:endParaRPr sz="4000" dirty="0"/>
+          </a:p>
+        </p:txBody>
+      </p:sp>
+    </p:spTree>
+    <p:extLst>
+      <p:ext uri="{BB962C8B-B14F-4D97-AF65-F5344CB8AC3E}">
+        <p14:creationId xmlns:p14="http://schemas.microsoft.com/office/powerpoint/2010/main" val="2537893355"/>
+      </p:ext>
+    </p:extLst>
+  </p:cSld>
+  <p:clrMapOvr>
+    <a:masterClrMapping/>
+  </p:clrMapOvr>
+  <p:transition/>
+  <p:timing>
+    <p:tnLst>
+      <p:par>
+        <p:cTn id="1" dur="indefinite" restart="never" nodeType="tmRoot"/>
+      </p:par>
+    </p:tnLst>
+  </p:timing>
+</p:sld>
+</file>
+
+<file path=ppt/slides/slide64.xml><?xml version="1.0" encoding="utf-8"?>
+<p:sld xmlns:a="http://schemas.openxmlformats.org/drawingml/2006/main" xmlns:r="http://schemas.openxmlformats.org/officeDocument/2006/relationships" xmlns:p="http://schemas.openxmlformats.org/presentationml/2006/main" show="0">
+  <p:cSld>
+    <p:spTree>
+      <p:nvGrpSpPr>
+        <p:cNvPr id="1" name="Shape 458"/>
+        <p:cNvGrpSpPr/>
+        <p:nvPr/>
+      </p:nvGrpSpPr>
+      <p:grpSpPr>
+        <a:xfrm>
+          <a:off x="0" y="0"/>
+          <a:ext cx="0" cy="0"/>
+          <a:chOff x="0" y="0"/>
+          <a:chExt cx="0" cy="0"/>
+        </a:xfrm>
+      </p:grpSpPr>
+      <p:sp>
+        <p:nvSpPr>
+          <p:cNvPr id="459" name="Google Shape;459;p78"/>
+          <p:cNvSpPr txBox="1">
+            <a:spLocks noGrp="1"/>
+          </p:cNvSpPr>
+          <p:nvPr>
+            <p:ph type="title"/>
+          </p:nvPr>
+        </p:nvSpPr>
+        <p:spPr>
+          <a:xfrm>
+            <a:off x="500550" y="330725"/>
+            <a:ext cx="8190300" cy="979266"/>
+          </a:xfrm>
+          <a:prstGeom prst="rect">
+            <a:avLst/>
+          </a:prstGeom>
+        </p:spPr>
+        <p:txBody>
+          <a:bodyPr spcFirstLastPara="1" wrap="square" lIns="91425" tIns="91425" rIns="91425" bIns="91425" anchor="t" anchorCtr="0">
+            <a:noAutofit/>
+          </a:bodyPr>
+          <a:lstStyle/>
+          <a:p>
+            <a:pPr marL="0" lvl="0" indent="0" algn="l" rtl="0">
+              <a:spcBef>
+                <a:spcPts val="0"/>
+              </a:spcBef>
+              <a:spcAft>
+                <a:spcPts val="0"/>
+              </a:spcAft>
+              <a:buNone/>
+            </a:pPr>
+            <a:r>
+              <a:rPr lang="ru-RU" sz="2800" dirty="0" smtClean="0"/>
+              <a:t>Общие сведения о компараторах</a:t>
+            </a:r>
+            <a:endParaRPr sz="2800" dirty="0"/>
+          </a:p>
+        </p:txBody>
+      </p:sp>
+      <p:sp>
+        <p:nvSpPr>
+          <p:cNvPr id="4" name="TextBox 3"/>
+          <p:cNvSpPr txBox="1"/>
+          <p:nvPr/>
+        </p:nvSpPr>
+        <p:spPr>
+          <a:xfrm>
+            <a:off x="470781" y="1329870"/>
+            <a:ext cx="7907977" cy="2462213"/>
+          </a:xfrm>
+          <a:prstGeom prst="rect">
+            <a:avLst/>
+          </a:prstGeom>
+          <a:noFill/>
+        </p:spPr>
+        <p:txBody>
+          <a:bodyPr wrap="square" rtlCol="0">
+            <a:spAutoFit/>
+          </a:bodyPr>
+          <a:lstStyle/>
+          <a:p>
+            <a:r>
+              <a:rPr lang="ru-RU" dirty="0" smtClean="0"/>
+              <a:t>Компаративные интерфейсы:</a:t>
+            </a:r>
+          </a:p>
+          <a:p>
+            <a:endParaRPr lang="ru-RU" dirty="0" smtClean="0"/>
+          </a:p>
+          <a:p>
+            <a:pPr marL="342900" lvl="0" indent="-342900" eaLnBrk="0" fontAlgn="base" hangingPunct="0">
+              <a:spcBef>
+                <a:spcPct val="0"/>
+              </a:spcBef>
+              <a:spcAft>
+                <a:spcPct val="0"/>
+              </a:spcAft>
+              <a:buClrTx/>
+              <a:buAutoNum type="arabicPeriod"/>
+            </a:pPr>
+            <a:r>
+              <a:rPr lang="ru-RU" altLang="ru-RU" b="1" dirty="0" smtClean="0">
+                <a:solidFill>
+                  <a:schemeClr val="tx1"/>
+                </a:solidFill>
+                <a:latin typeface="+mn-lt"/>
+                <a:hlinkClick r:id="rId3"/>
+              </a:rPr>
+              <a:t>I</a:t>
+            </a:r>
+            <a:r>
+              <a:rPr lang="en-US" altLang="ru-RU" b="1" dirty="0" smtClean="0">
+                <a:solidFill>
+                  <a:schemeClr val="tx1"/>
+                </a:solidFill>
+                <a:latin typeface="+mn-lt"/>
+                <a:hlinkClick r:id="rId3"/>
+              </a:rPr>
+              <a:t>Comparer&lt;T&gt;</a:t>
+            </a:r>
+            <a:r>
+              <a:rPr lang="en-US" altLang="ru-RU" b="1" dirty="0" smtClean="0">
+                <a:solidFill>
+                  <a:schemeClr val="tx1"/>
+                </a:solidFill>
+                <a:latin typeface="+mn-lt"/>
+              </a:rPr>
+              <a:t> </a:t>
+            </a:r>
+            <a:r>
+              <a:rPr lang="en-US" altLang="ru-RU" dirty="0" smtClean="0">
+                <a:solidFill>
+                  <a:schemeClr val="tx1"/>
+                </a:solidFill>
+                <a:latin typeface="+mn-lt"/>
+              </a:rPr>
+              <a:t>- </a:t>
+            </a:r>
+            <a:r>
+              <a:rPr lang="ru-RU" altLang="ru-RU" dirty="0" smtClean="0">
+                <a:solidFill>
+                  <a:schemeClr val="tx1"/>
+                </a:solidFill>
+                <a:latin typeface="+mn-lt"/>
+              </a:rPr>
+              <a:t>определяет метод для</a:t>
+            </a:r>
+            <a:r>
+              <a:rPr lang="ru-RU" dirty="0" smtClean="0"/>
+              <a:t> </a:t>
+            </a:r>
+            <a:r>
+              <a:rPr lang="ru-RU" dirty="0"/>
+              <a:t>сравнения двух объектов</a:t>
+            </a:r>
+            <a:r>
+              <a:rPr lang="ru-RU" dirty="0" smtClean="0"/>
+              <a:t>.</a:t>
+            </a:r>
+          </a:p>
+          <a:p>
+            <a:pPr lvl="1" eaLnBrk="0" fontAlgn="base" hangingPunct="0">
+              <a:spcBef>
+                <a:spcPct val="0"/>
+              </a:spcBef>
+              <a:spcAft>
+                <a:spcPct val="0"/>
+              </a:spcAft>
+              <a:buClrTx/>
+            </a:pPr>
+            <a:r>
+              <a:rPr lang="ru-RU" altLang="ru-RU" dirty="0" err="1">
+                <a:solidFill>
+                  <a:schemeClr val="tx1"/>
+                </a:solidFill>
+                <a:latin typeface="+mn-lt"/>
+              </a:rPr>
+              <a:t>Compare</a:t>
+            </a:r>
+            <a:r>
+              <a:rPr lang="ru-RU" altLang="ru-RU" dirty="0">
+                <a:solidFill>
+                  <a:schemeClr val="tx1"/>
+                </a:solidFill>
+                <a:latin typeface="+mn-lt"/>
+              </a:rPr>
+              <a:t> возвращает:</a:t>
+            </a:r>
+          </a:p>
+          <a:p>
+            <a:pPr lvl="4" eaLnBrk="0" fontAlgn="base" hangingPunct="0">
+              <a:spcBef>
+                <a:spcPct val="0"/>
+              </a:spcBef>
+              <a:spcAft>
+                <a:spcPct val="0"/>
+              </a:spcAft>
+              <a:buClrTx/>
+              <a:buFontTx/>
+              <a:buChar char="•"/>
+            </a:pPr>
+            <a:r>
+              <a:rPr lang="ru-RU" altLang="ru-RU" b="1" dirty="0">
+                <a:solidFill>
+                  <a:schemeClr val="tx1"/>
+                </a:solidFill>
+                <a:latin typeface="+mn-lt"/>
+              </a:rPr>
+              <a:t>0</a:t>
+            </a:r>
+            <a:r>
+              <a:rPr lang="ru-RU" altLang="ru-RU" dirty="0">
+                <a:solidFill>
+                  <a:schemeClr val="tx1"/>
+                </a:solidFill>
+                <a:latin typeface="+mn-lt"/>
+              </a:rPr>
+              <a:t> — если объекты равны;</a:t>
+            </a:r>
+          </a:p>
+          <a:p>
+            <a:pPr lvl="3" eaLnBrk="0" fontAlgn="base" hangingPunct="0">
+              <a:spcBef>
+                <a:spcPct val="0"/>
+              </a:spcBef>
+              <a:spcAft>
+                <a:spcPct val="0"/>
+              </a:spcAft>
+              <a:buClrTx/>
+              <a:buFontTx/>
+              <a:buChar char="•"/>
+            </a:pPr>
+            <a:r>
+              <a:rPr lang="ru-RU" altLang="ru-RU" b="1" dirty="0">
+                <a:solidFill>
+                  <a:schemeClr val="tx1"/>
+                </a:solidFill>
+                <a:latin typeface="+mn-lt"/>
+              </a:rPr>
+              <a:t>&lt; 0</a:t>
+            </a:r>
+            <a:r>
+              <a:rPr lang="ru-RU" altLang="ru-RU" dirty="0">
+                <a:solidFill>
+                  <a:schemeClr val="tx1"/>
+                </a:solidFill>
+                <a:latin typeface="+mn-lt"/>
+              </a:rPr>
+              <a:t> — если x меньше, чем y;</a:t>
+            </a:r>
+          </a:p>
+          <a:p>
+            <a:pPr lvl="3" eaLnBrk="0" fontAlgn="base" hangingPunct="0">
+              <a:spcBef>
+                <a:spcPct val="0"/>
+              </a:spcBef>
+              <a:spcAft>
+                <a:spcPct val="0"/>
+              </a:spcAft>
+              <a:buClrTx/>
+              <a:buFontTx/>
+              <a:buChar char="•"/>
+            </a:pPr>
+            <a:r>
+              <a:rPr lang="ru-RU" altLang="ru-RU" b="1" dirty="0">
+                <a:solidFill>
+                  <a:schemeClr val="tx1"/>
+                </a:solidFill>
+                <a:latin typeface="+mn-lt"/>
+              </a:rPr>
+              <a:t>&gt; 0</a:t>
+            </a:r>
+            <a:r>
+              <a:rPr lang="ru-RU" altLang="ru-RU" dirty="0">
+                <a:solidFill>
+                  <a:schemeClr val="tx1"/>
+                </a:solidFill>
+                <a:latin typeface="+mn-lt"/>
+              </a:rPr>
+              <a:t> — если x больше, чем y.</a:t>
+            </a:r>
+          </a:p>
+          <a:p>
+            <a:pPr marL="342900" lvl="0" indent="-342900" eaLnBrk="0" fontAlgn="base" hangingPunct="0">
+              <a:spcBef>
+                <a:spcPct val="0"/>
+              </a:spcBef>
+              <a:spcAft>
+                <a:spcPct val="0"/>
+              </a:spcAft>
+              <a:buClrTx/>
+              <a:buAutoNum type="arabicPeriod"/>
+            </a:pPr>
+            <a:endParaRPr lang="en-US" dirty="0" smtClean="0"/>
+          </a:p>
+          <a:p>
+            <a:pPr marL="342900" lvl="0" indent="-342900" eaLnBrk="0" fontAlgn="base" hangingPunct="0">
+              <a:spcBef>
+                <a:spcPct val="0"/>
+              </a:spcBef>
+              <a:spcAft>
+                <a:spcPct val="0"/>
+              </a:spcAft>
+              <a:buClrTx/>
+              <a:buAutoNum type="arabicPeriod"/>
+            </a:pPr>
+            <a:r>
+              <a:rPr lang="en-US" altLang="ru-RU" b="1" dirty="0" err="1" smtClean="0">
+                <a:solidFill>
+                  <a:schemeClr val="tx1"/>
+                </a:solidFill>
+                <a:latin typeface="+mn-lt"/>
+                <a:hlinkClick r:id="rId4"/>
+              </a:rPr>
+              <a:t>IEqulityComparer</a:t>
+            </a:r>
+            <a:r>
+              <a:rPr lang="en-US" altLang="ru-RU" b="1" dirty="0" smtClean="0">
+                <a:solidFill>
+                  <a:schemeClr val="tx1"/>
+                </a:solidFill>
+                <a:latin typeface="+mn-lt"/>
+                <a:hlinkClick r:id="rId4"/>
+              </a:rPr>
+              <a:t>&lt;T&gt;</a:t>
+            </a:r>
+            <a:r>
+              <a:rPr lang="ru-RU" altLang="ru-RU" dirty="0">
+                <a:solidFill>
+                  <a:schemeClr val="tx1"/>
+                </a:solidFill>
+                <a:latin typeface="+mn-lt"/>
+              </a:rPr>
+              <a:t> </a:t>
+            </a:r>
+            <a:r>
+              <a:rPr lang="ru-RU" altLang="ru-RU" dirty="0" smtClean="0">
+                <a:solidFill>
+                  <a:schemeClr val="tx1"/>
+                </a:solidFill>
+                <a:latin typeface="+mn-lt"/>
+              </a:rPr>
+              <a:t>- определяет метод для идентичности двух объектов.</a:t>
+            </a:r>
+          </a:p>
+          <a:p>
+            <a:pPr marL="342900" lvl="0" indent="-342900" eaLnBrk="0" fontAlgn="base" hangingPunct="0">
+              <a:spcBef>
+                <a:spcPct val="0"/>
+              </a:spcBef>
+              <a:spcAft>
+                <a:spcPct val="0"/>
+              </a:spcAft>
+              <a:buClrTx/>
+              <a:buAutoNum type="arabicPeriod"/>
+            </a:pPr>
+            <a:endParaRPr lang="ru-RU" altLang="ru-RU" dirty="0">
+              <a:solidFill>
+                <a:schemeClr val="tx1"/>
+              </a:solidFill>
+              <a:latin typeface="+mn-lt"/>
+            </a:endParaRPr>
+          </a:p>
+          <a:p>
+            <a:pPr marL="342900" indent="-342900" eaLnBrk="0" fontAlgn="base" hangingPunct="0">
+              <a:spcBef>
+                <a:spcPct val="0"/>
+              </a:spcBef>
+              <a:spcAft>
+                <a:spcPct val="0"/>
+              </a:spcAft>
+              <a:buClrTx/>
+              <a:buFont typeface="Arial"/>
+              <a:buAutoNum type="arabicPeriod"/>
+            </a:pPr>
+            <a:r>
+              <a:rPr lang="en-US" b="1" dirty="0" smtClean="0">
+                <a:hlinkClick r:id="rId5"/>
+              </a:rPr>
+              <a:t>Comparison&lt;T&gt;</a:t>
+            </a:r>
+            <a:r>
+              <a:rPr lang="en-US" b="1" dirty="0" smtClean="0"/>
+              <a:t> </a:t>
+            </a:r>
+            <a:r>
+              <a:rPr lang="en-US" dirty="0" smtClean="0"/>
+              <a:t>- </a:t>
+            </a:r>
+            <a:r>
+              <a:rPr lang="ru-RU" dirty="0" smtClean="0"/>
+              <a:t>задает </a:t>
+            </a:r>
+            <a:r>
+              <a:rPr lang="ru-RU" dirty="0" smtClean="0"/>
+              <a:t>делегат</a:t>
+            </a:r>
+            <a:r>
+              <a:rPr lang="en-US" dirty="0" smtClean="0"/>
+              <a:t> </a:t>
+            </a:r>
+            <a:endParaRPr lang="ru-RU" dirty="0" smtClean="0"/>
+          </a:p>
+        </p:txBody>
+      </p:sp>
+    </p:spTree>
+    <p:extLst>
+      <p:ext uri="{BB962C8B-B14F-4D97-AF65-F5344CB8AC3E}">
+        <p14:creationId xmlns:p14="http://schemas.microsoft.com/office/powerpoint/2010/main" val="4111225360"/>
+      </p:ext>
+    </p:extLst>
+  </p:cSld>
+  <p:clrMapOvr>
+    <a:masterClrMapping/>
+  </p:clrMapOvr>
+  <p:transition/>
+  <p:timing>
+    <p:tnLst>
+      <p:par>
+        <p:cTn id="1" dur="indefinite" restart="never" nodeType="tmRoot"/>
+      </p:par>
+    </p:tnLst>
+  </p:timing>
+</p:sld>
+</file>
+
+<file path=ppt/slides/slide65.xml><?xml version="1.0" encoding="utf-8"?>
 <p:sld xmlns:a="http://schemas.openxmlformats.org/drawingml/2006/main" xmlns:r="http://schemas.openxmlformats.org/officeDocument/2006/relationships" xmlns:p="http://schemas.openxmlformats.org/presentationml/2006/main">
   <p:cSld>
     <p:spTree>
@@ -30699,10 +31634,10 @@
               <a:buNone/>
             </a:pPr>
             <a:r>
-              <a:rPr lang="ru" sz="6000"/>
-              <a:t>Практика</a:t>
-            </a:r>
-            <a:endParaRPr/>
+              <a:rPr lang="ru-RU" sz="6000" dirty="0" smtClean="0"/>
+              <a:t>Вопросы с собеседований</a:t>
+            </a:r>
+            <a:endParaRPr dirty="0"/>
           </a:p>
         </p:txBody>
       </p:sp>
@@ -30721,7 +31656,287 @@
 </p:sld>
 </file>
 
-<file path=ppt/slides/slide64.xml><?xml version="1.0" encoding="utf-8"?>
+<file path=ppt/slides/slide66.xml><?xml version="1.0" encoding="utf-8"?>
+<p:sld xmlns:a="http://schemas.openxmlformats.org/drawingml/2006/main" xmlns:r="http://schemas.openxmlformats.org/officeDocument/2006/relationships" xmlns:p="http://schemas.openxmlformats.org/presentationml/2006/main" show="0">
+  <p:cSld>
+    <p:spTree>
+      <p:nvGrpSpPr>
+        <p:cNvPr id="1" name="Shape 458"/>
+        <p:cNvGrpSpPr/>
+        <p:nvPr/>
+      </p:nvGrpSpPr>
+      <p:grpSpPr>
+        <a:xfrm>
+          <a:off x="0" y="0"/>
+          <a:ext cx="0" cy="0"/>
+          <a:chOff x="0" y="0"/>
+          <a:chExt cx="0" cy="0"/>
+        </a:xfrm>
+      </p:grpSpPr>
+      <p:sp>
+        <p:nvSpPr>
+          <p:cNvPr id="459" name="Google Shape;459;p78"/>
+          <p:cNvSpPr txBox="1">
+            <a:spLocks noGrp="1"/>
+          </p:cNvSpPr>
+          <p:nvPr>
+            <p:ph type="title"/>
+          </p:nvPr>
+        </p:nvSpPr>
+        <p:spPr>
+          <a:xfrm>
+            <a:off x="500550" y="330725"/>
+            <a:ext cx="8190300" cy="979266"/>
+          </a:xfrm>
+          <a:prstGeom prst="rect">
+            <a:avLst/>
+          </a:prstGeom>
+        </p:spPr>
+        <p:txBody>
+          <a:bodyPr spcFirstLastPara="1" wrap="square" lIns="91425" tIns="91425" rIns="91425" bIns="91425" anchor="t" anchorCtr="0">
+            <a:noAutofit/>
+          </a:bodyPr>
+          <a:lstStyle/>
+          <a:p>
+            <a:pPr marL="0" lvl="0" indent="0" algn="l" rtl="0">
+              <a:spcBef>
+                <a:spcPts val="0"/>
+              </a:spcBef>
+              <a:spcAft>
+                <a:spcPts val="0"/>
+              </a:spcAft>
+              <a:buNone/>
+            </a:pPr>
+            <a:r>
+              <a:rPr lang="ru-RU" sz="2800" dirty="0" smtClean="0"/>
+              <a:t>Вопросы с собеседований по </a:t>
+            </a:r>
+            <a:r>
+              <a:rPr lang="en-US" sz="2800" dirty="0" err="1" smtClean="0"/>
+              <a:t>linq</a:t>
+            </a:r>
+            <a:endParaRPr sz="2800" dirty="0"/>
+          </a:p>
+        </p:txBody>
+      </p:sp>
+      <p:sp>
+        <p:nvSpPr>
+          <p:cNvPr id="4" name="TextBox 3"/>
+          <p:cNvSpPr txBox="1"/>
+          <p:nvPr/>
+        </p:nvSpPr>
+        <p:spPr>
+          <a:xfrm>
+            <a:off x="470781" y="1329870"/>
+            <a:ext cx="7907977" cy="1200329"/>
+          </a:xfrm>
+          <a:prstGeom prst="rect">
+            <a:avLst/>
+          </a:prstGeom>
+          <a:noFill/>
+        </p:spPr>
+        <p:txBody>
+          <a:bodyPr wrap="square" rtlCol="0">
+            <a:spAutoFit/>
+          </a:bodyPr>
+          <a:lstStyle/>
+          <a:p>
+            <a:pPr marL="342900" indent="-342900">
+              <a:buAutoNum type="arabicPeriod"/>
+            </a:pPr>
+            <a:r>
+              <a:rPr lang="ru-RU" sz="1800" dirty="0" smtClean="0"/>
+              <a:t>Ускоряет </a:t>
+            </a:r>
+            <a:r>
+              <a:rPr lang="ru-RU" sz="1800" dirty="0"/>
+              <a:t>ли </a:t>
+            </a:r>
+            <a:r>
+              <a:rPr lang="en-US" sz="1800" dirty="0" err="1"/>
+              <a:t>linq</a:t>
+            </a:r>
+            <a:r>
+              <a:rPr lang="en-US" sz="1800" dirty="0"/>
+              <a:t> </a:t>
+            </a:r>
+            <a:r>
+              <a:rPr lang="ru-RU" sz="1800" dirty="0"/>
+              <a:t>запросы</a:t>
+            </a:r>
+            <a:r>
+              <a:rPr lang="ru-RU" sz="1800" dirty="0" smtClean="0"/>
+              <a:t>?</a:t>
+            </a:r>
+            <a:endParaRPr lang="en-US" sz="1800" dirty="0" smtClean="0"/>
+          </a:p>
+          <a:p>
+            <a:pPr marL="342900" indent="-342900">
+              <a:buAutoNum type="arabicPeriod"/>
+            </a:pPr>
+            <a:r>
+              <a:rPr lang="ru-RU" sz="1800" dirty="0"/>
+              <a:t>Как в LINQ найти индекс элемента, </a:t>
+            </a:r>
+            <a:r>
+              <a:rPr lang="ru-RU" sz="1800" dirty="0" smtClean="0"/>
+              <a:t>используя</a:t>
+            </a:r>
+            <a:r>
+              <a:rPr lang="en-US" sz="1800" dirty="0" smtClean="0"/>
+              <a:t> </a:t>
+            </a:r>
+            <a:r>
+              <a:rPr lang="ru-RU" sz="1800" dirty="0" err="1" smtClean="0"/>
+              <a:t>where</a:t>
+            </a:r>
+            <a:r>
+              <a:rPr lang="ru-RU" sz="1800" dirty="0"/>
+              <a:t>() с помощью лямбда-выражений</a:t>
+            </a:r>
+            <a:r>
+              <a:rPr lang="ru-RU" sz="1800" dirty="0" smtClean="0"/>
+              <a:t>?</a:t>
+            </a:r>
+            <a:endParaRPr lang="en-US" sz="1800" dirty="0" smtClean="0"/>
+          </a:p>
+          <a:p>
+            <a:pPr marL="342900" indent="-342900">
+              <a:buAutoNum type="arabicPeriod"/>
+            </a:pPr>
+            <a:r>
+              <a:rPr lang="ru-RU" sz="1800" dirty="0"/>
+              <a:t>В чем разница между </a:t>
+            </a:r>
+            <a:r>
+              <a:rPr lang="ru-RU" sz="1800" dirty="0" err="1"/>
+              <a:t>First</a:t>
+            </a:r>
+            <a:r>
+              <a:rPr lang="ru-RU" sz="1800" dirty="0"/>
+              <a:t>() и </a:t>
+            </a:r>
+            <a:r>
+              <a:rPr lang="ru-RU" sz="1800" dirty="0" err="1"/>
+              <a:t>Single</a:t>
+            </a:r>
+            <a:r>
+              <a:rPr lang="ru-RU" sz="1800" dirty="0"/>
+              <a:t>() в LINQ?</a:t>
+            </a:r>
+            <a:endParaRPr lang="ru-RU" sz="1800" dirty="0" smtClean="0"/>
+          </a:p>
+        </p:txBody>
+      </p:sp>
+    </p:spTree>
+    <p:extLst>
+      <p:ext uri="{BB962C8B-B14F-4D97-AF65-F5344CB8AC3E}">
+        <p14:creationId xmlns:p14="http://schemas.microsoft.com/office/powerpoint/2010/main" val="1323305705"/>
+      </p:ext>
+    </p:extLst>
+  </p:cSld>
+  <p:clrMapOvr>
+    <a:masterClrMapping/>
+  </p:clrMapOvr>
+  <p:transition/>
+  <p:timing>
+    <p:tnLst>
+      <p:par>
+        <p:cTn id="1" dur="indefinite" restart="never" nodeType="tmRoot"/>
+      </p:par>
+    </p:tnLst>
+  </p:timing>
+</p:sld>
+</file>
+
+<file path=ppt/slides/slide67.xml><?xml version="1.0" encoding="utf-8"?>
+<p:sld xmlns:a="http://schemas.openxmlformats.org/drawingml/2006/main" xmlns:r="http://schemas.openxmlformats.org/officeDocument/2006/relationships" xmlns:p="http://schemas.openxmlformats.org/presentationml/2006/main">
+  <p:cSld>
+    <p:spTree>
+      <p:nvGrpSpPr>
+        <p:cNvPr id="1" name="Shape 453"/>
+        <p:cNvGrpSpPr/>
+        <p:nvPr/>
+      </p:nvGrpSpPr>
+      <p:grpSpPr>
+        <a:xfrm>
+          <a:off x="0" y="0"/>
+          <a:ext cx="0" cy="0"/>
+          <a:chOff x="0" y="0"/>
+          <a:chExt cx="0" cy="0"/>
+        </a:xfrm>
+      </p:grpSpPr>
+      <p:sp>
+        <p:nvSpPr>
+          <p:cNvPr id="454" name="Google Shape;454;p77"/>
+          <p:cNvSpPr txBox="1">
+            <a:spLocks noGrp="1"/>
+          </p:cNvSpPr>
+          <p:nvPr>
+            <p:ph type="title"/>
+          </p:nvPr>
+        </p:nvSpPr>
+        <p:spPr>
+          <a:xfrm>
+            <a:off x="956225" y="396400"/>
+            <a:ext cx="6931800" cy="4090800"/>
+          </a:xfrm>
+          <a:prstGeom prst="rect">
+            <a:avLst/>
+          </a:prstGeom>
+        </p:spPr>
+        <p:txBody>
+          <a:bodyPr spcFirstLastPara="1" wrap="square" lIns="91425" tIns="91425" rIns="91425" bIns="91425" anchor="ctr" anchorCtr="0">
+            <a:noAutofit/>
+          </a:bodyPr>
+          <a:lstStyle/>
+          <a:p>
+            <a:pPr marL="0" lvl="0" indent="0" algn="ctr" rtl="0">
+              <a:lnSpc>
+                <a:spcPct val="90000"/>
+              </a:lnSpc>
+              <a:spcBef>
+                <a:spcPts val="0"/>
+              </a:spcBef>
+              <a:spcAft>
+                <a:spcPts val="0"/>
+              </a:spcAft>
+              <a:buClr>
+                <a:schemeClr val="dk1"/>
+              </a:buClr>
+              <a:buSzPts val="3000"/>
+              <a:buFont typeface="Avenir"/>
+              <a:buNone/>
+            </a:pPr>
+            <a:r>
+              <a:rPr lang="ru" sz="6000"/>
+              <a:t>Практика</a:t>
+            </a:r>
+            <a:endParaRPr/>
+          </a:p>
+        </p:txBody>
+      </p:sp>
+    </p:spTree>
+    <p:extLst>
+      <p:ext uri="{BB962C8B-B14F-4D97-AF65-F5344CB8AC3E}">
+        <p14:creationId xmlns:p14="http://schemas.microsoft.com/office/powerpoint/2010/main" val="2587968103"/>
+      </p:ext>
+    </p:extLst>
+  </p:cSld>
+  <p:clrMapOvr>
+    <a:masterClrMapping/>
+  </p:clrMapOvr>
+  <p:timing>
+    <p:tnLst>
+      <p:par>
+        <p:cTn id="1" dur="indefinite" restart="never" nodeType="tmRoot"/>
+      </p:par>
+    </p:tnLst>
+  </p:timing>
+</p:sld>
+</file>
+
+<file path=ppt/slides/slide68.xml><?xml version="1.0" encoding="utf-8"?>
 <p:sld xmlns:a="http://schemas.openxmlformats.org/drawingml/2006/main" xmlns:r="http://schemas.openxmlformats.org/officeDocument/2006/relationships" xmlns:p="http://schemas.openxmlformats.org/presentationml/2006/main">
   <p:cSld>
     <p:spTree>
@@ -31252,7 +32467,7 @@
 </p:sld>
 </file>
 
-<file path=ppt/slides/slide65.xml><?xml version="1.0" encoding="utf-8"?>
+<file path=ppt/slides/slide69.xml><?xml version="1.0" encoding="utf-8"?>
 <p:sld xmlns:a="http://schemas.openxmlformats.org/drawingml/2006/main" xmlns:r="http://schemas.openxmlformats.org/officeDocument/2006/relationships" xmlns:p="http://schemas.openxmlformats.org/presentationml/2006/main">
   <p:cSld>
     <p:spTree>
@@ -31329,7 +32544,89 @@
 </p:sld>
 </file>
 
-<file path=ppt/slides/slide66.xml><?xml version="1.0" encoding="utf-8"?>
+<file path=ppt/slides/slide7.xml><?xml version="1.0" encoding="utf-8"?>
+<p:sld xmlns:a="http://schemas.openxmlformats.org/drawingml/2006/main" xmlns:r="http://schemas.openxmlformats.org/officeDocument/2006/relationships" xmlns:p="http://schemas.openxmlformats.org/presentationml/2006/main">
+  <p:cSld>
+    <p:spTree>
+      <p:nvGrpSpPr>
+        <p:cNvPr id="1" name="Shape 247"/>
+        <p:cNvGrpSpPr/>
+        <p:nvPr/>
+      </p:nvGrpSpPr>
+      <p:grpSpPr>
+        <a:xfrm>
+          <a:off x="0" y="0"/>
+          <a:ext cx="0" cy="0"/>
+          <a:chOff x="0" y="0"/>
+          <a:chExt cx="0" cy="0"/>
+        </a:xfrm>
+      </p:grpSpPr>
+      <p:sp>
+        <p:nvSpPr>
+          <p:cNvPr id="248" name="Google Shape;248;p44"/>
+          <p:cNvSpPr txBox="1">
+            <a:spLocks noGrp="1"/>
+          </p:cNvSpPr>
+          <p:nvPr>
+            <p:ph type="title"/>
+          </p:nvPr>
+        </p:nvSpPr>
+        <p:spPr>
+          <a:xfrm>
+            <a:off x="956225" y="396400"/>
+            <a:ext cx="6931800" cy="4090800"/>
+          </a:xfrm>
+          <a:prstGeom prst="rect">
+            <a:avLst/>
+          </a:prstGeom>
+        </p:spPr>
+        <p:txBody>
+          <a:bodyPr spcFirstLastPara="1" wrap="square" lIns="91425" tIns="91425" rIns="91425" bIns="91425" anchor="ctr" anchorCtr="0">
+            <a:noAutofit/>
+          </a:bodyPr>
+          <a:lstStyle/>
+          <a:p>
+            <a:pPr marL="0" lvl="0" indent="0" algn="l" rtl="0">
+              <a:spcBef>
+                <a:spcPts val="0"/>
+              </a:spcBef>
+              <a:spcAft>
+                <a:spcPts val="0"/>
+              </a:spcAft>
+              <a:buNone/>
+            </a:pPr>
+            <a:r>
+              <a:rPr lang="ru" dirty="0"/>
+              <a:t>Что такое </a:t>
+            </a:r>
+            <a:r>
+              <a:rPr lang="en-US" dirty="0" err="1" smtClean="0"/>
+              <a:t>linq</a:t>
+            </a:r>
+            <a:r>
+              <a:rPr lang="en-US" dirty="0"/>
+              <a:t>?</a:t>
+            </a:r>
+            <a:endParaRPr dirty="0"/>
+          </a:p>
+        </p:txBody>
+      </p:sp>
+    </p:spTree>
+  </p:cSld>
+  <p:clrMapOvr>
+    <a:masterClrMapping/>
+  </p:clrMapOvr>
+  <p:timing>
+    <p:tnLst>
+      <p:par>
+        <p:cTn id="1" dur="indefinite" restart="never" nodeType="tmRoot"/>
+      </p:par>
+    </p:tnLst>
+  </p:timing>
+</p:sld>
+</file>
+
+<file path=ppt/slides/slide70.xml><?xml version="1.0" encoding="utf-8"?>
 <p:sld xmlns:a="http://schemas.openxmlformats.org/drawingml/2006/main" xmlns:r="http://schemas.openxmlformats.org/officeDocument/2006/relationships" xmlns:p="http://schemas.openxmlformats.org/presentationml/2006/main">
   <p:cSld>
     <p:spTree>
@@ -31395,7 +32692,7 @@
           <p:nvPr>
             <p:extLst>
               <p:ext uri="{D42A27DB-BD31-4B8C-83A1-F6EECF244321}">
-                <p14:modId xmlns="" xmlns:p14="http://schemas.microsoft.com/office/powerpoint/2010/main" val="3780615979"/>
+                <p14:modId xmlns:p14="http://schemas.microsoft.com/office/powerpoint/2010/main" val="3780615979"/>
               </p:ext>
             </p:extLst>
           </p:nvPr>
@@ -31415,14 +32712,14 @@
                 <a:gridCol w="489425">
                   <a:extLst>
                     <a:ext uri="{9D8B030D-6E8A-4147-A177-3AD203B41FA5}">
-                      <a16:colId xmlns="" xmlns:a16="http://schemas.microsoft.com/office/drawing/2014/main" val="20000"/>
+                      <a16:colId xmlns:a16="http://schemas.microsoft.com/office/drawing/2014/main" val="20000"/>
                     </a:ext>
                   </a:extLst>
                 </a:gridCol>
                 <a:gridCol w="6749575">
                   <a:extLst>
                     <a:ext uri="{9D8B030D-6E8A-4147-A177-3AD203B41FA5}">
-                      <a16:colId xmlns="" xmlns:a16="http://schemas.microsoft.com/office/drawing/2014/main" val="20001"/>
+                      <a16:colId xmlns:a16="http://schemas.microsoft.com/office/drawing/2014/main" val="20001"/>
                     </a:ext>
                   </a:extLst>
                 </a:gridCol>
@@ -31623,7 +32920,7 @@
                 </a:tc>
                 <a:extLst>
                   <a:ext uri="{0D108BD9-81ED-4DB2-BD59-A6C34878D82A}">
-                    <a16:rowId xmlns="" xmlns:a16="http://schemas.microsoft.com/office/drawing/2014/main" val="10000"/>
+                    <a16:rowId xmlns:a16="http://schemas.microsoft.com/office/drawing/2014/main" val="10000"/>
                   </a:ext>
                 </a:extLst>
               </a:tr>
@@ -31843,7 +33140,7 @@
                 </a:tc>
                 <a:extLst>
                   <a:ext uri="{0D108BD9-81ED-4DB2-BD59-A6C34878D82A}">
-                    <a16:rowId xmlns="" xmlns:a16="http://schemas.microsoft.com/office/drawing/2014/main" val="10001"/>
+                    <a16:rowId xmlns:a16="http://schemas.microsoft.com/office/drawing/2014/main" val="10001"/>
                   </a:ext>
                 </a:extLst>
               </a:tr>
@@ -32078,7 +33375,7 @@
                 </a:tc>
                 <a:extLst>
                   <a:ext uri="{0D108BD9-81ED-4DB2-BD59-A6C34878D82A}">
-                    <a16:rowId xmlns="" xmlns:a16="http://schemas.microsoft.com/office/drawing/2014/main" val="10002"/>
+                    <a16:rowId xmlns:a16="http://schemas.microsoft.com/office/drawing/2014/main" val="10002"/>
                   </a:ext>
                 </a:extLst>
               </a:tr>
@@ -32101,7 +33398,7 @@
 </p:sld>
 </file>
 
-<file path=ppt/slides/slide67.xml><?xml version="1.0" encoding="utf-8"?>
+<file path=ppt/slides/slide71.xml><?xml version="1.0" encoding="utf-8"?>
 <p:sld xmlns:a="http://schemas.openxmlformats.org/drawingml/2006/main" xmlns:r="http://schemas.openxmlformats.org/officeDocument/2006/relationships" xmlns:p="http://schemas.openxmlformats.org/presentationml/2006/main">
   <p:cSld>
     <p:spTree>
@@ -32364,88 +33661,6 @@
               <a:cs typeface="Roboto"/>
               <a:sym typeface="Roboto"/>
             </a:endParaRPr>
-          </a:p>
-        </p:txBody>
-      </p:sp>
-    </p:spTree>
-  </p:cSld>
-  <p:clrMapOvr>
-    <a:masterClrMapping/>
-  </p:clrMapOvr>
-  <p:timing>
-    <p:tnLst>
-      <p:par>
-        <p:cTn id="1" dur="indefinite" restart="never" nodeType="tmRoot"/>
-      </p:par>
-    </p:tnLst>
-  </p:timing>
-</p:sld>
-</file>
-
-<file path=ppt/slides/slide7.xml><?xml version="1.0" encoding="utf-8"?>
-<p:sld xmlns:a="http://schemas.openxmlformats.org/drawingml/2006/main" xmlns:r="http://schemas.openxmlformats.org/officeDocument/2006/relationships" xmlns:p="http://schemas.openxmlformats.org/presentationml/2006/main">
-  <p:cSld>
-    <p:spTree>
-      <p:nvGrpSpPr>
-        <p:cNvPr id="1" name="Shape 247"/>
-        <p:cNvGrpSpPr/>
-        <p:nvPr/>
-      </p:nvGrpSpPr>
-      <p:grpSpPr>
-        <a:xfrm>
-          <a:off x="0" y="0"/>
-          <a:ext cx="0" cy="0"/>
-          <a:chOff x="0" y="0"/>
-          <a:chExt cx="0" cy="0"/>
-        </a:xfrm>
-      </p:grpSpPr>
-      <p:sp>
-        <p:nvSpPr>
-          <p:cNvPr id="248" name="Google Shape;248;p44"/>
-          <p:cNvSpPr txBox="1">
-            <a:spLocks noGrp="1"/>
-          </p:cNvSpPr>
-          <p:nvPr>
-            <p:ph type="title"/>
-          </p:nvPr>
-        </p:nvSpPr>
-        <p:spPr>
-          <a:xfrm>
-            <a:off x="956225" y="396400"/>
-            <a:ext cx="6931800" cy="4090800"/>
-          </a:xfrm>
-          <a:prstGeom prst="rect">
-            <a:avLst/>
-          </a:prstGeom>
-        </p:spPr>
-        <p:txBody>
-          <a:bodyPr spcFirstLastPara="1" wrap="square" lIns="91425" tIns="91425" rIns="91425" bIns="91425" anchor="ctr" anchorCtr="0">
-            <a:noAutofit/>
-          </a:bodyPr>
-          <a:lstStyle/>
-          <a:p>
-            <a:pPr marL="0" lvl="0" indent="0" algn="l" rtl="0">
-              <a:spcBef>
-                <a:spcPts val="0"/>
-              </a:spcBef>
-              <a:spcAft>
-                <a:spcPts val="0"/>
-              </a:spcAft>
-              <a:buNone/>
-            </a:pPr>
-            <a:r>
-              <a:rPr lang="ru" dirty="0"/>
-              <a:t>Что такое </a:t>
-            </a:r>
-            <a:r>
-              <a:rPr lang="en-US" dirty="0" err="1" smtClean="0"/>
-              <a:t>linq</a:t>
-            </a:r>
-            <a:r>
-              <a:rPr lang="en-US" dirty="0"/>
-              <a:t>?</a:t>
-            </a:r>
-            <a:endParaRPr dirty="0"/>
           </a:p>
         </p:txBody>
       </p:sp>
@@ -33003,7 +34218,7 @@
           <a:blip r:embed="rId3">
             <a:extLst>
               <a:ext uri="{28A0092B-C50C-407E-A947-70E740481C1C}">
-                <a14:useLocalDpi xmlns="" xmlns:a14="http://schemas.microsoft.com/office/drawing/2010/main" val="0"/>
+                <a14:useLocalDpi xmlns:a14="http://schemas.microsoft.com/office/drawing/2010/main" val="0"/>
               </a:ext>
             </a:extLst>
           </a:blip>
@@ -33023,7 +34238,7 @@
           <a:noFill/>
           <a:extLst>
             <a:ext uri="{909E8E84-426E-40DD-AFC4-6F175D3DCCD1}">
-              <a14:hiddenFill xmlns="" xmlns:a14="http://schemas.microsoft.com/office/drawing/2010/main">
+              <a14:hiddenFill xmlns:a14="http://schemas.microsoft.com/office/drawing/2010/main">
                 <a:solidFill>
                   <a:srgbClr val="FFFFFF"/>
                 </a:solidFill>
@@ -33035,7 +34250,7 @@
     </p:spTree>
     <p:extLst>
       <p:ext uri="{BB962C8B-B14F-4D97-AF65-F5344CB8AC3E}">
-        <p14:creationId xmlns="" xmlns:p14="http://schemas.microsoft.com/office/powerpoint/2010/main" val="1265430313"/>
+        <p14:creationId xmlns:p14="http://schemas.microsoft.com/office/powerpoint/2010/main" val="1265430313"/>
       </p:ext>
     </p:extLst>
   </p:cSld>

--- a/LinqQueries.pptx
+++ b/LinqQueries.pptx
@@ -22783,27 +22783,7 @@
                 <a:sym typeface="Roboto"/>
                 <a:hlinkClick r:id="rId5"/>
               </a:rPr>
-              <a:t>Операции над н</a:t>
-            </a:r>
-            <a:r>
-              <a:rPr lang="ru-RU" sz="1300" b="1" dirty="0" smtClean="0">
-                <a:latin typeface="Roboto"/>
-                <a:ea typeface="Roboto"/>
-                <a:cs typeface="Roboto"/>
-                <a:sym typeface="Roboto"/>
-                <a:hlinkClick r:id="rId5"/>
-              </a:rPr>
-              <a:t>абором </a:t>
-            </a:r>
-            <a:r>
-              <a:rPr lang="ru-RU" sz="1300" b="1" dirty="0" smtClean="0">
-                <a:latin typeface="Roboto"/>
-                <a:ea typeface="Roboto"/>
-                <a:cs typeface="Roboto"/>
-                <a:sym typeface="Roboto"/>
-                <a:hlinkClick r:id="rId5"/>
-              </a:rPr>
-              <a:t>данных</a:t>
+              <a:t>Операции над набором данных</a:t>
             </a:r>
             <a:endParaRPr lang="ru-RU" sz="1300" b="1" dirty="0" smtClean="0">
               <a:latin typeface="Roboto"/>
@@ -23004,17 +22984,7 @@
                 <a:sym typeface="Roboto"/>
                 <a:hlinkClick r:id="rId11"/>
               </a:rPr>
-              <a:t>Группировка </a:t>
-            </a:r>
-            <a:r>
-              <a:rPr lang="ru-RU" sz="1300" b="1" dirty="0" smtClean="0">
-                <a:latin typeface="Roboto"/>
-                <a:ea typeface="Roboto"/>
-                <a:cs typeface="Roboto"/>
-                <a:sym typeface="Roboto"/>
-                <a:hlinkClick r:id="rId11"/>
-              </a:rPr>
-              <a:t>данных</a:t>
+              <a:t>Группировка данных</a:t>
             </a:r>
             <a:endParaRPr sz="1300" b="1" dirty="0">
               <a:solidFill>
@@ -31207,7 +31177,7 @@
 </file>
 
 <file path=ppt/slides/slide64.xml><?xml version="1.0" encoding="utf-8"?>
-<p:sld xmlns:a="http://schemas.openxmlformats.org/drawingml/2006/main" xmlns:r="http://schemas.openxmlformats.org/officeDocument/2006/relationships" xmlns:p="http://schemas.openxmlformats.org/presentationml/2006/main" show="0">
+<p:sld xmlns:a="http://schemas.openxmlformats.org/drawingml/2006/main" xmlns:r="http://schemas.openxmlformats.org/officeDocument/2006/relationships" xmlns:p="http://schemas.openxmlformats.org/presentationml/2006/main">
   <p:cSld>
     <p:spTree>
       <p:nvGrpSpPr>
@@ -31278,7 +31248,7 @@
         <p:spPr>
           <a:xfrm>
             <a:off x="470781" y="1329870"/>
-            <a:ext cx="7907977" cy="1200329"/>
+            <a:ext cx="7907977" cy="923330"/>
           </a:xfrm>
           <a:prstGeom prst="rect">
             <a:avLst/>
@@ -31326,23 +31296,23 @@
             </a:pPr>
             <a:r>
               <a:rPr lang="ru-RU" sz="1800" dirty="0"/>
-              <a:t>Как в LINQ найти индекс элемента, </a:t>
+              <a:t>Как в LINQ найти индекс </a:t>
             </a:r>
             <a:r>
               <a:rPr lang="ru-RU" sz="1800" dirty="0" smtClean="0"/>
-              <a:t>используя</a:t>
+              <a:t>элемента</a:t>
             </a:r>
             <a:r>
               <a:rPr lang="en-US" sz="1800" dirty="0" smtClean="0"/>
               <a:t> </a:t>
             </a:r>
             <a:r>
-              <a:rPr lang="ru-RU" sz="1800" dirty="0" err="1" smtClean="0"/>
-              <a:t>where</a:t>
+              <a:rPr lang="ru-RU" sz="1800" dirty="0" smtClean="0"/>
+              <a:t>с </a:t>
             </a:r>
             <a:r>
               <a:rPr lang="ru-RU" sz="1800" dirty="0"/>
-              <a:t>() с помощью лямбда-выражений</a:t>
+              <a:t>помощью лямбда-выражений</a:t>
             </a:r>
             <a:r>
               <a:rPr lang="ru-RU" sz="1800" dirty="0" smtClean="0"/>
@@ -31400,7 +31370,7 @@
 </file>
 
 <file path=ppt/slides/slide65.xml><?xml version="1.0" encoding="utf-8"?>
-<p:sld xmlns:a="http://schemas.openxmlformats.org/drawingml/2006/main" xmlns:r="http://schemas.openxmlformats.org/officeDocument/2006/relationships" xmlns:p="http://schemas.openxmlformats.org/presentationml/2006/main">
+<p:sld xmlns:a="http://schemas.openxmlformats.org/drawingml/2006/main" xmlns:r="http://schemas.openxmlformats.org/officeDocument/2006/relationships" xmlns:p="http://schemas.openxmlformats.org/presentationml/2006/main" show="0">
   <p:cSld>
     <p:spTree>
       <p:nvGrpSpPr>
@@ -31476,6 +31446,14 @@
   <p:clrMapOvr>
     <a:masterClrMapping/>
   </p:clrMapOvr>
+  <mc:AlternateContent xmlns:mc="http://schemas.openxmlformats.org/markup-compatibility/2006">
+    <mc:Choice xmlns:p14="http://schemas.microsoft.com/office/powerpoint/2010/main" Requires="p14">
+      <p:transition spd="slow" p14:dur="2000"/>
+    </mc:Choice>
+    <mc:Fallback>
+      <p:transition spd="slow"/>
+    </mc:Fallback>
+  </mc:AlternateContent>
   <p:timing>
     <p:tnLst>
       <p:par>
@@ -31487,7 +31465,7 @@
 </file>
 
 <file path=ppt/slides/slide66.xml><?xml version="1.0" encoding="utf-8"?>
-<p:sld xmlns:a="http://schemas.openxmlformats.org/drawingml/2006/main" xmlns:r="http://schemas.openxmlformats.org/officeDocument/2006/relationships" xmlns:p="http://schemas.openxmlformats.org/presentationml/2006/main">
+<p:sld xmlns:a="http://schemas.openxmlformats.org/drawingml/2006/main" xmlns:r="http://schemas.openxmlformats.org/officeDocument/2006/relationships" xmlns:p="http://schemas.openxmlformats.org/presentationml/2006/main" show="0">
   <p:cSld>
     <p:spTree>
       <p:nvGrpSpPr>
@@ -32007,6 +31985,14 @@
   <p:clrMapOvr>
     <a:masterClrMapping/>
   </p:clrMapOvr>
+  <mc:AlternateContent xmlns:mc="http://schemas.openxmlformats.org/markup-compatibility/2006">
+    <mc:Choice xmlns:p14="http://schemas.microsoft.com/office/powerpoint/2010/main" Requires="p14">
+      <p:transition spd="slow" p14:dur="2000"/>
+    </mc:Choice>
+    <mc:Fallback>
+      <p:transition spd="slow"/>
+    </mc:Fallback>
+  </mc:AlternateContent>
   <p:timing>
     <p:tnLst>
       <p:par>
